--- a/VglO3NO2.pptx
+++ b/VglO3NO2.pptx
@@ -1,6 +1,6 @@
 
 <file path=ppt/presentation.xml><?xml version="1.0" encoding="utf-8"?>
-<p:presentation xmlns:a="http://schemas.openxmlformats.org/drawingml/2006/main" xmlns:r="http://schemas.openxmlformats.org/officeDocument/2006/relationships" xmlns:p="http://schemas.openxmlformats.org/presentationml/2006/main" saveSubsetFonts="1" autoCompressPictures="0">
+<p:presentation xmlns:a="http://schemas.openxmlformats.org/drawingml/2006/main" xmlns:p="http://schemas.openxmlformats.org/presentationml/2006/main" xmlns:r="http://schemas.openxmlformats.org/officeDocument/2006/relationships" autoCompressPictures="0" saveSubsetFonts="1">
   <p:sldMasterIdLst>
     <p:sldMasterId id="2147483648" r:id="rId1"/>
   </p:sldMasterIdLst>
@@ -16,6 +16,7 @@
     <p:sldId id="264" r:id="rId10"/>
     <p:sldId id="265" r:id="rId11"/>
     <p:sldId id="266" r:id="rId12"/>
+    <p:sldId id="267" r:id="rId13"/>
   </p:sldIdLst>
   <p:sldSz cx="9144000" cy="5143500" type="screen16x9"/>
   <p:notesSz cx="6858000" cy="9144000"/>
@@ -23,8 +24,8 @@
     <a:defPPr>
       <a:defRPr lang="en-US"/>
     </a:defPPr>
-    <a:lvl1pPr marL="0" algn="l" defTabSz="457200" rtl="0" eaLnBrk="1" latinLnBrk="0" hangingPunct="1">
-      <a:defRPr sz="1800" kern="1200">
+    <a:lvl1pPr algn="l" defTabSz="457200" eaLnBrk="1" hangingPunct="1" latinLnBrk="0" marL="0" rtl="0">
+      <a:defRPr kern="1200" sz="1800">
         <a:solidFill>
           <a:schemeClr val="tx1"/>
         </a:solidFill>
@@ -33,8 +34,8 @@
         <a:cs typeface="+mn-cs"/>
       </a:defRPr>
     </a:lvl1pPr>
-    <a:lvl2pPr marL="457200" algn="l" defTabSz="457200" rtl="0" eaLnBrk="1" latinLnBrk="0" hangingPunct="1">
-      <a:defRPr sz="1800" kern="1200">
+    <a:lvl2pPr algn="l" defTabSz="457200" eaLnBrk="1" hangingPunct="1" latinLnBrk="0" marL="457200" rtl="0">
+      <a:defRPr kern="1200" sz="1800">
         <a:solidFill>
           <a:schemeClr val="tx1"/>
         </a:solidFill>
@@ -43,8 +44,8 @@
         <a:cs typeface="+mn-cs"/>
       </a:defRPr>
     </a:lvl2pPr>
-    <a:lvl3pPr marL="914400" algn="l" defTabSz="457200" rtl="0" eaLnBrk="1" latinLnBrk="0" hangingPunct="1">
-      <a:defRPr sz="1800" kern="1200">
+    <a:lvl3pPr algn="l" defTabSz="457200" eaLnBrk="1" hangingPunct="1" latinLnBrk="0" marL="914400" rtl="0">
+      <a:defRPr kern="1200" sz="1800">
         <a:solidFill>
           <a:schemeClr val="tx1"/>
         </a:solidFill>
@@ -53,8 +54,8 @@
         <a:cs typeface="+mn-cs"/>
       </a:defRPr>
     </a:lvl3pPr>
-    <a:lvl4pPr marL="1371600" algn="l" defTabSz="457200" rtl="0" eaLnBrk="1" latinLnBrk="0" hangingPunct="1">
-      <a:defRPr sz="1800" kern="1200">
+    <a:lvl4pPr algn="l" defTabSz="457200" eaLnBrk="1" hangingPunct="1" latinLnBrk="0" marL="1371600" rtl="0">
+      <a:defRPr kern="1200" sz="1800">
         <a:solidFill>
           <a:schemeClr val="tx1"/>
         </a:solidFill>
@@ -63,8 +64,8 @@
         <a:cs typeface="+mn-cs"/>
       </a:defRPr>
     </a:lvl4pPr>
-    <a:lvl5pPr marL="1828800" algn="l" defTabSz="457200" rtl="0" eaLnBrk="1" latinLnBrk="0" hangingPunct="1">
-      <a:defRPr sz="1800" kern="1200">
+    <a:lvl5pPr algn="l" defTabSz="457200" eaLnBrk="1" hangingPunct="1" latinLnBrk="0" marL="1828800" rtl="0">
+      <a:defRPr kern="1200" sz="1800">
         <a:solidFill>
           <a:schemeClr val="tx1"/>
         </a:solidFill>
@@ -73,8 +74,8 @@
         <a:cs typeface="+mn-cs"/>
       </a:defRPr>
     </a:lvl5pPr>
-    <a:lvl6pPr marL="2286000" algn="l" defTabSz="457200" rtl="0" eaLnBrk="1" latinLnBrk="0" hangingPunct="1">
-      <a:defRPr sz="1800" kern="1200">
+    <a:lvl6pPr algn="l" defTabSz="457200" eaLnBrk="1" hangingPunct="1" latinLnBrk="0" marL="2286000" rtl="0">
+      <a:defRPr kern="1200" sz="1800">
         <a:solidFill>
           <a:schemeClr val="tx1"/>
         </a:solidFill>
@@ -83,8 +84,8 @@
         <a:cs typeface="+mn-cs"/>
       </a:defRPr>
     </a:lvl6pPr>
-    <a:lvl7pPr marL="2743200" algn="l" defTabSz="457200" rtl="0" eaLnBrk="1" latinLnBrk="0" hangingPunct="1">
-      <a:defRPr sz="1800" kern="1200">
+    <a:lvl7pPr algn="l" defTabSz="457200" eaLnBrk="1" hangingPunct="1" latinLnBrk="0" marL="2743200" rtl="0">
+      <a:defRPr kern="1200" sz="1800">
         <a:solidFill>
           <a:schemeClr val="tx1"/>
         </a:solidFill>
@@ -93,8 +94,8 @@
         <a:cs typeface="+mn-cs"/>
       </a:defRPr>
     </a:lvl7pPr>
-    <a:lvl8pPr marL="3200400" algn="l" defTabSz="457200" rtl="0" eaLnBrk="1" latinLnBrk="0" hangingPunct="1">
-      <a:defRPr sz="1800" kern="1200">
+    <a:lvl8pPr algn="l" defTabSz="457200" eaLnBrk="1" hangingPunct="1" latinLnBrk="0" marL="3200400" rtl="0">
+      <a:defRPr kern="1200" sz="1800">
         <a:solidFill>
           <a:schemeClr val="tx1"/>
         </a:solidFill>
@@ -103,8 +104,8 @@
         <a:cs typeface="+mn-cs"/>
       </a:defRPr>
     </a:lvl8pPr>
-    <a:lvl9pPr marL="3657600" algn="l" defTabSz="457200" rtl="0" eaLnBrk="1" latinLnBrk="0" hangingPunct="1">
-      <a:defRPr sz="1800" kern="1200">
+    <a:lvl9pPr algn="l" defTabSz="457200" eaLnBrk="1" hangingPunct="1" latinLnBrk="0" marL="3657600" rtl="0">
+      <a:defRPr kern="1200" sz="1800">
         <a:solidFill>
           <a:schemeClr val="tx1"/>
         </a:solidFill>
@@ -312,7 +313,7 @@
           <a:p>
             <a:fld id="{241EB5C9-1307-BA42-ABA2-0BC069CD8E7F}" type="datetimeFigureOut">
               <a:rPr lang="en-US" smtClean="0"/>
-              <a:t>3/11/2025</a:t>
+              <a:t>1/2/22</a:t>
             </a:fld>
             <a:endParaRPr lang="en-US"/>
           </a:p>
@@ -354,7 +355,7 @@
           <a:p>
             <a:fld id="{C5EF2332-01BF-834F-8236-50238282D533}" type="slidenum">
               <a:rPr lang="en-US" smtClean="0"/>
-              <a:t>‹Nr.›</a:t>
+              <a:t>‹#›</a:t>
             </a:fld>
             <a:endParaRPr lang="en-US"/>
           </a:p>
@@ -480,7 +481,7 @@
           <a:p>
             <a:fld id="{241EB5C9-1307-BA42-ABA2-0BC069CD8E7F}" type="datetimeFigureOut">
               <a:rPr lang="en-US" smtClean="0"/>
-              <a:t>3/11/2025</a:t>
+              <a:t>1/2/22</a:t>
             </a:fld>
             <a:endParaRPr lang="en-US"/>
           </a:p>
@@ -522,7 +523,7 @@
           <a:p>
             <a:fld id="{C5EF2332-01BF-834F-8236-50238282D533}" type="slidenum">
               <a:rPr lang="en-US" smtClean="0"/>
-              <a:t>‹Nr.›</a:t>
+              <a:t>‹#›</a:t>
             </a:fld>
             <a:endParaRPr lang="en-US"/>
           </a:p>
@@ -658,7 +659,7 @@
           <a:p>
             <a:fld id="{241EB5C9-1307-BA42-ABA2-0BC069CD8E7F}" type="datetimeFigureOut">
               <a:rPr lang="en-US" smtClean="0"/>
-              <a:t>3/11/2025</a:t>
+              <a:t>1/2/22</a:t>
             </a:fld>
             <a:endParaRPr lang="en-US"/>
           </a:p>
@@ -700,7 +701,7 @@
           <a:p>
             <a:fld id="{C5EF2332-01BF-834F-8236-50238282D533}" type="slidenum">
               <a:rPr lang="en-US" smtClean="0"/>
-              <a:t>‹Nr.›</a:t>
+              <a:t>‹#›</a:t>
             </a:fld>
             <a:endParaRPr lang="en-US"/>
           </a:p>
@@ -826,7 +827,7 @@
           <a:p>
             <a:fld id="{241EB5C9-1307-BA42-ABA2-0BC069CD8E7F}" type="datetimeFigureOut">
               <a:rPr lang="en-US" smtClean="0"/>
-              <a:t>3/11/2025</a:t>
+              <a:t>1/2/22</a:t>
             </a:fld>
             <a:endParaRPr lang="en-US"/>
           </a:p>
@@ -868,7 +869,7 @@
           <a:p>
             <a:fld id="{C5EF2332-01BF-834F-8236-50238282D533}" type="slidenum">
               <a:rPr lang="en-US" smtClean="0"/>
-              <a:t>‹Nr.›</a:t>
+              <a:t>‹#›</a:t>
             </a:fld>
             <a:endParaRPr lang="en-US"/>
           </a:p>
@@ -1071,7 +1072,7 @@
           <a:p>
             <a:fld id="{241EB5C9-1307-BA42-ABA2-0BC069CD8E7F}" type="datetimeFigureOut">
               <a:rPr lang="en-US" smtClean="0"/>
-              <a:t>3/11/2025</a:t>
+              <a:t>1/2/22</a:t>
             </a:fld>
             <a:endParaRPr lang="en-US"/>
           </a:p>
@@ -1113,7 +1114,7 @@
           <a:p>
             <a:fld id="{C5EF2332-01BF-834F-8236-50238282D533}" type="slidenum">
               <a:rPr lang="en-US" smtClean="0"/>
-              <a:t>‹Nr.›</a:t>
+              <a:t>‹#›</a:t>
             </a:fld>
             <a:endParaRPr lang="en-US"/>
           </a:p>
@@ -1356,7 +1357,7 @@
           <a:p>
             <a:fld id="{241EB5C9-1307-BA42-ABA2-0BC069CD8E7F}" type="datetimeFigureOut">
               <a:rPr lang="en-US" smtClean="0"/>
-              <a:t>3/11/2025</a:t>
+              <a:t>1/2/22</a:t>
             </a:fld>
             <a:endParaRPr lang="en-US"/>
           </a:p>
@@ -1398,7 +1399,7 @@
           <a:p>
             <a:fld id="{C5EF2332-01BF-834F-8236-50238282D533}" type="slidenum">
               <a:rPr lang="en-US" smtClean="0"/>
-              <a:t>‹Nr.›</a:t>
+              <a:t>‹#›</a:t>
             </a:fld>
             <a:endParaRPr lang="en-US"/>
           </a:p>
@@ -1775,7 +1776,7 @@
           <a:p>
             <a:fld id="{241EB5C9-1307-BA42-ABA2-0BC069CD8E7F}" type="datetimeFigureOut">
               <a:rPr lang="en-US" smtClean="0"/>
-              <a:t>3/11/2025</a:t>
+              <a:t>1/2/22</a:t>
             </a:fld>
             <a:endParaRPr lang="en-US"/>
           </a:p>
@@ -1817,7 +1818,7 @@
           <a:p>
             <a:fld id="{C5EF2332-01BF-834F-8236-50238282D533}" type="slidenum">
               <a:rPr lang="en-US" smtClean="0"/>
-              <a:t>‹Nr.›</a:t>
+              <a:t>‹#›</a:t>
             </a:fld>
             <a:endParaRPr lang="en-US"/>
           </a:p>
@@ -1892,7 +1893,7 @@
           <a:p>
             <a:fld id="{241EB5C9-1307-BA42-ABA2-0BC069CD8E7F}" type="datetimeFigureOut">
               <a:rPr lang="en-US" smtClean="0"/>
-              <a:t>3/11/2025</a:t>
+              <a:t>1/2/22</a:t>
             </a:fld>
             <a:endParaRPr lang="en-US"/>
           </a:p>
@@ -1934,7 +1935,7 @@
           <a:p>
             <a:fld id="{C5EF2332-01BF-834F-8236-50238282D533}" type="slidenum">
               <a:rPr lang="en-US" smtClean="0"/>
-              <a:t>‹Nr.›</a:t>
+              <a:t>‹#›</a:t>
             </a:fld>
             <a:endParaRPr lang="en-US"/>
           </a:p>
@@ -1987,7 +1988,7 @@
           <a:p>
             <a:fld id="{241EB5C9-1307-BA42-ABA2-0BC069CD8E7F}" type="datetimeFigureOut">
               <a:rPr lang="en-US" smtClean="0"/>
-              <a:t>3/11/2025</a:t>
+              <a:t>1/2/22</a:t>
             </a:fld>
             <a:endParaRPr lang="en-US"/>
           </a:p>
@@ -2029,7 +2030,7 @@
           <a:p>
             <a:fld id="{C5EF2332-01BF-834F-8236-50238282D533}" type="slidenum">
               <a:rPr lang="en-US" smtClean="0"/>
-              <a:t>‹Nr.›</a:t>
+              <a:t>‹#›</a:t>
             </a:fld>
             <a:endParaRPr lang="en-US"/>
           </a:p>
@@ -2262,7 +2263,7 @@
           <a:p>
             <a:fld id="{241EB5C9-1307-BA42-ABA2-0BC069CD8E7F}" type="datetimeFigureOut">
               <a:rPr lang="en-US" smtClean="0"/>
-              <a:t>3/11/2025</a:t>
+              <a:t>1/2/22</a:t>
             </a:fld>
             <a:endParaRPr lang="en-US"/>
           </a:p>
@@ -2304,7 +2305,7 @@
           <a:p>
             <a:fld id="{C5EF2332-01BF-834F-8236-50238282D533}" type="slidenum">
               <a:rPr lang="en-US" smtClean="0"/>
-              <a:t>‹Nr.›</a:t>
+              <a:t>‹#›</a:t>
             </a:fld>
             <a:endParaRPr lang="en-US"/>
           </a:p>
@@ -2514,7 +2515,7 @@
           <a:p>
             <a:fld id="{241EB5C9-1307-BA42-ABA2-0BC069CD8E7F}" type="datetimeFigureOut">
               <a:rPr lang="en-US" smtClean="0"/>
-              <a:t>3/11/2025</a:t>
+              <a:t>1/2/22</a:t>
             </a:fld>
             <a:endParaRPr lang="en-US"/>
           </a:p>
@@ -2556,7 +2557,7 @@
           <a:p>
             <a:fld id="{C5EF2332-01BF-834F-8236-50238282D533}" type="slidenum">
               <a:rPr lang="en-US" smtClean="0"/>
-              <a:t>‹Nr.›</a:t>
+              <a:t>‹#›</a:t>
             </a:fld>
             <a:endParaRPr lang="en-US"/>
           </a:p>
@@ -2576,7 +2577,7 @@
 </file>
 
 <file path=ppt/slideMasters/slideMaster1.xml><?xml version="1.0" encoding="utf-8"?>
-<p:sldMaster xmlns:a="http://schemas.openxmlformats.org/drawingml/2006/main" xmlns:r="http://schemas.openxmlformats.org/officeDocument/2006/relationships" xmlns:p="http://schemas.openxmlformats.org/presentationml/2006/main">
+<p:sldMaster xmlns:a="http://schemas.openxmlformats.org/drawingml/2006/main" xmlns:p="http://schemas.openxmlformats.org/presentationml/2006/main" xmlns:r="http://schemas.openxmlformats.org/officeDocument/2006/relationships">
   <p:cSld>
     <p:bg>
       <p:bgRef idx="1001">
@@ -2617,7 +2618,7 @@
           </a:prstGeom>
         </p:spPr>
         <p:txBody>
-          <a:bodyPr vert="horz" lIns="91440" tIns="45720" rIns="91440" bIns="45720" rtlCol="0" anchor="ctr">
+          <a:bodyPr anchor="ctr" bIns="45720" lIns="91440" rIns="91440" rtlCol="0" tIns="45720" vert="horz">
             <a:normAutofit/>
           </a:bodyPr>
           <a:lstStyle/>
@@ -2636,7 +2637,7 @@
             <a:spLocks noGrp="1"/>
           </p:cNvSpPr>
           <p:nvPr>
-            <p:ph type="body" idx="1"/>
+            <p:ph idx="1" type="body"/>
           </p:nvPr>
         </p:nvSpPr>
         <p:spPr>
@@ -2649,7 +2650,7 @@
           </a:prstGeom>
         </p:spPr>
         <p:txBody>
-          <a:bodyPr vert="horz" lIns="91440" tIns="45720" rIns="91440" bIns="45720" rtlCol="0">
+          <a:bodyPr bIns="45720" lIns="91440" rIns="91440" rtlCol="0" tIns="45720" vert="horz">
             <a:normAutofit/>
           </a:bodyPr>
           <a:lstStyle/>
@@ -2697,7 +2698,7 @@
             <a:spLocks noGrp="1"/>
           </p:cNvSpPr>
           <p:nvPr>
-            <p:ph type="dt" sz="half" idx="2"/>
+            <p:ph idx="2" sz="half" type="dt"/>
           </p:nvPr>
         </p:nvSpPr>
         <p:spPr>
@@ -2710,7 +2711,7 @@
           </a:prstGeom>
         </p:spPr>
         <p:txBody>
-          <a:bodyPr vert="horz" lIns="91440" tIns="45720" rIns="91440" bIns="45720" rtlCol="0" anchor="ctr"/>
+          <a:bodyPr anchor="ctr" bIns="45720" lIns="91440" rIns="91440" rtlCol="0" tIns="45720" vert="horz"/>
           <a:lstStyle>
             <a:lvl1pPr algn="l">
               <a:defRPr sz="900">
@@ -2725,7 +2726,7 @@
           <a:p>
             <a:fld id="{241EB5C9-1307-BA42-ABA2-0BC069CD8E7F}" type="datetimeFigureOut">
               <a:rPr lang="en-US" smtClean="0"/>
-              <a:t>3/11/2025</a:t>
+              <a:t>1/2/22</a:t>
             </a:fld>
             <a:endParaRPr lang="en-US"/>
           </a:p>
@@ -2738,7 +2739,7 @@
             <a:spLocks noGrp="1"/>
           </p:cNvSpPr>
           <p:nvPr>
-            <p:ph type="ftr" sz="quarter" idx="3"/>
+            <p:ph idx="3" sz="quarter" type="ftr"/>
           </p:nvPr>
         </p:nvSpPr>
         <p:spPr>
@@ -2751,7 +2752,7 @@
           </a:prstGeom>
         </p:spPr>
         <p:txBody>
-          <a:bodyPr vert="horz" lIns="91440" tIns="45720" rIns="91440" bIns="45720" rtlCol="0" anchor="ctr"/>
+          <a:bodyPr anchor="ctr" bIns="45720" lIns="91440" rIns="91440" rtlCol="0" tIns="45720" vert="horz"/>
           <a:lstStyle>
             <a:lvl1pPr algn="ctr">
               <a:defRPr sz="900">
@@ -2775,7 +2776,7 @@
             <a:spLocks noGrp="1"/>
           </p:cNvSpPr>
           <p:nvPr>
-            <p:ph type="sldNum" sz="quarter" idx="4"/>
+            <p:ph idx="4" sz="quarter" type="sldNum"/>
           </p:nvPr>
         </p:nvSpPr>
         <p:spPr>
@@ -2788,7 +2789,7 @@
           </a:prstGeom>
         </p:spPr>
         <p:txBody>
-          <a:bodyPr vert="horz" lIns="91440" tIns="45720" rIns="91440" bIns="45720" rtlCol="0" anchor="ctr"/>
+          <a:bodyPr anchor="ctr" bIns="45720" lIns="91440" rIns="91440" rtlCol="0" tIns="45720" vert="horz"/>
           <a:lstStyle>
             <a:lvl1pPr algn="r">
               <a:defRPr sz="900">
@@ -2803,7 +2804,7 @@
           <a:p>
             <a:fld id="{C5EF2332-01BF-834F-8236-50238282D533}" type="slidenum">
               <a:rPr lang="en-US" smtClean="0"/>
-              <a:t>‹Nr.›</a:t>
+              <a:t>‹#›</a:t>
             </a:fld>
             <a:endParaRPr lang="en-US"/>
           </a:p>
@@ -2816,7 +2817,7 @@
       </p:ext>
     </p:extLst>
   </p:cSld>
-  <p:clrMap bg1="lt1" tx1="dk1" bg2="lt2" tx2="dk2" accent1="accent1" accent2="accent2" accent3="accent3" accent4="accent4" accent5="accent5" accent6="accent6" hlink="hlink" folHlink="folHlink"/>
+  <p:clrMap accent1="accent1" accent2="accent2" accent3="accent3" accent4="accent4" accent5="accent5" accent6="accent6" bg1="lt1" bg2="lt2" folHlink="folHlink" hlink="hlink" tx1="dk1" tx2="dk2"/>
   <p:sldLayoutIdLst>
     <p:sldLayoutId id="2147483649" r:id="rId1"/>
     <p:sldLayoutId id="2147483650" r:id="rId2"/>
@@ -2832,12 +2833,12 @@
   </p:sldLayoutIdLst>
   <p:txStyles>
     <p:titleStyle>
-      <a:lvl1pPr algn="ctr" defTabSz="342900" rtl="0" eaLnBrk="1" latinLnBrk="0" hangingPunct="1">
+      <a:lvl1pPr algn="ctr" defTabSz="342900" eaLnBrk="1" hangingPunct="1" latinLnBrk="0" rtl="0">
         <a:spcBef>
           <a:spcPct val="0"/>
         </a:spcBef>
         <a:buNone/>
-        <a:defRPr sz="3300" kern="1200">
+        <a:defRPr kern="1200" sz="3300">
           <a:solidFill>
             <a:schemeClr val="tx1"/>
           </a:solidFill>
@@ -2848,13 +2849,13 @@
       </a:lvl1pPr>
     </p:titleStyle>
     <p:bodyStyle>
-      <a:lvl1pPr marL="342900" indent="-342900" algn="l" defTabSz="342900" rtl="0" eaLnBrk="1" latinLnBrk="0" hangingPunct="1">
+      <a:lvl1pPr algn="l" defTabSz="342900" eaLnBrk="1" hangingPunct="1" indent="-342900" latinLnBrk="0" marL="342900" rtl="0">
         <a:spcBef>
           <a:spcPct val="20000"/>
         </a:spcBef>
         <a:buFont typeface="Arial"/>
         <a:buChar char="•"/>
-        <a:defRPr sz="2400" kern="1200">
+        <a:defRPr kern="1200" sz="2400">
           <a:solidFill>
             <a:schemeClr val="tx1"/>
           </a:solidFill>
@@ -2863,13 +2864,13 @@
           <a:cs typeface="+mn-cs"/>
         </a:defRPr>
       </a:lvl1pPr>
-      <a:lvl2pPr marL="685800" indent="-342900" algn="l" defTabSz="342900" rtl="0" eaLnBrk="1" latinLnBrk="0" hangingPunct="1">
+      <a:lvl2pPr algn="l" defTabSz="342900" eaLnBrk="1" hangingPunct="1" indent="-342900" latinLnBrk="0" marL="685800" rtl="0">
         <a:spcBef>
           <a:spcPct val="20000"/>
         </a:spcBef>
         <a:buFont typeface="Arial"/>
         <a:buChar char="–"/>
-        <a:defRPr sz="2100" kern="1200">
+        <a:defRPr kern="1200" sz="2100">
           <a:solidFill>
             <a:schemeClr val="tx1"/>
           </a:solidFill>
@@ -2878,13 +2879,13 @@
           <a:cs typeface="+mn-cs"/>
         </a:defRPr>
       </a:lvl2pPr>
-      <a:lvl3pPr marL="1028700" indent="-342900" algn="l" defTabSz="342900" rtl="0" eaLnBrk="1" latinLnBrk="0" hangingPunct="1">
+      <a:lvl3pPr algn="l" defTabSz="342900" eaLnBrk="1" hangingPunct="1" indent="-342900" latinLnBrk="0" marL="1028700" rtl="0">
         <a:spcBef>
           <a:spcPct val="20000"/>
         </a:spcBef>
         <a:buFont typeface="Arial"/>
         <a:buChar char="•"/>
-        <a:defRPr sz="1800" kern="1200">
+        <a:defRPr kern="1200" sz="1800">
           <a:solidFill>
             <a:schemeClr val="tx1"/>
           </a:solidFill>
@@ -2893,13 +2894,13 @@
           <a:cs typeface="+mn-cs"/>
         </a:defRPr>
       </a:lvl3pPr>
-      <a:lvl4pPr marL="1371600" indent="-342900" algn="l" defTabSz="342900" rtl="0" eaLnBrk="1" latinLnBrk="0" hangingPunct="1">
+      <a:lvl4pPr algn="l" defTabSz="342900" eaLnBrk="1" hangingPunct="1" indent="-342900" latinLnBrk="0" marL="1371600" rtl="0">
         <a:spcBef>
           <a:spcPct val="20000"/>
         </a:spcBef>
         <a:buFont typeface="Arial"/>
         <a:buChar char="–"/>
-        <a:defRPr sz="1500" kern="1200">
+        <a:defRPr kern="1200" sz="1500">
           <a:solidFill>
             <a:schemeClr val="tx1"/>
           </a:solidFill>
@@ -2908,13 +2909,13 @@
           <a:cs typeface="+mn-cs"/>
         </a:defRPr>
       </a:lvl4pPr>
-      <a:lvl5pPr marL="1714500" indent="-342900" algn="l" defTabSz="342900" rtl="0" eaLnBrk="1" latinLnBrk="0" hangingPunct="1">
+      <a:lvl5pPr algn="l" defTabSz="342900" eaLnBrk="1" hangingPunct="1" indent="-342900" latinLnBrk="0" marL="1714500" rtl="0">
         <a:spcBef>
           <a:spcPct val="20000"/>
         </a:spcBef>
         <a:buFont typeface="Arial"/>
         <a:buChar char="»"/>
-        <a:defRPr sz="1500" kern="1200">
+        <a:defRPr kern="1200" sz="1500">
           <a:solidFill>
             <a:schemeClr val="tx1"/>
           </a:solidFill>
@@ -2923,13 +2924,13 @@
           <a:cs typeface="+mn-cs"/>
         </a:defRPr>
       </a:lvl5pPr>
-      <a:lvl6pPr marL="2057400" indent="-342900" algn="l" defTabSz="342900" rtl="0" eaLnBrk="1" latinLnBrk="0" hangingPunct="1">
+      <a:lvl6pPr algn="l" defTabSz="342900" eaLnBrk="1" hangingPunct="1" indent="-342900" latinLnBrk="0" marL="2057400" rtl="0">
         <a:spcBef>
           <a:spcPct val="20000"/>
         </a:spcBef>
         <a:buFont typeface="Arial"/>
         <a:buChar char="•"/>
-        <a:defRPr sz="1500" kern="1200">
+        <a:defRPr kern="1200" sz="1500">
           <a:solidFill>
             <a:schemeClr val="tx1"/>
           </a:solidFill>
@@ -2938,13 +2939,13 @@
           <a:cs typeface="+mn-cs"/>
         </a:defRPr>
       </a:lvl6pPr>
-      <a:lvl7pPr marL="2400300" indent="-342900" algn="l" defTabSz="342900" rtl="0" eaLnBrk="1" latinLnBrk="0" hangingPunct="1">
+      <a:lvl7pPr algn="l" defTabSz="342900" eaLnBrk="1" hangingPunct="1" indent="-342900" latinLnBrk="0" marL="2400300" rtl="0">
         <a:spcBef>
           <a:spcPct val="20000"/>
         </a:spcBef>
         <a:buFont typeface="Arial"/>
         <a:buChar char="•"/>
-        <a:defRPr sz="1500" kern="1200">
+        <a:defRPr kern="1200" sz="1500">
           <a:solidFill>
             <a:schemeClr val="tx1"/>
           </a:solidFill>
@@ -2953,13 +2954,13 @@
           <a:cs typeface="+mn-cs"/>
         </a:defRPr>
       </a:lvl7pPr>
-      <a:lvl8pPr marL="2743200" indent="-342900" algn="l" defTabSz="342900" rtl="0" eaLnBrk="1" latinLnBrk="0" hangingPunct="1">
+      <a:lvl8pPr algn="l" defTabSz="342900" eaLnBrk="1" hangingPunct="1" indent="-342900" latinLnBrk="0" marL="2743200" rtl="0">
         <a:spcBef>
           <a:spcPct val="20000"/>
         </a:spcBef>
         <a:buFont typeface="Arial"/>
         <a:buChar char="•"/>
-        <a:defRPr sz="1500" kern="1200">
+        <a:defRPr kern="1200" sz="1500">
           <a:solidFill>
             <a:schemeClr val="tx1"/>
           </a:solidFill>
@@ -2968,13 +2969,13 @@
           <a:cs typeface="+mn-cs"/>
         </a:defRPr>
       </a:lvl8pPr>
-      <a:lvl9pPr marL="3086100" indent="-342900" algn="l" defTabSz="342900" rtl="0" eaLnBrk="1" latinLnBrk="0" hangingPunct="1">
+      <a:lvl9pPr algn="l" defTabSz="342900" eaLnBrk="1" hangingPunct="1" indent="-342900" latinLnBrk="0" marL="3086100" rtl="0">
         <a:spcBef>
           <a:spcPct val="20000"/>
         </a:spcBef>
         <a:buFont typeface="Arial"/>
         <a:buChar char="•"/>
-        <a:defRPr sz="1500" kern="1200">
+        <a:defRPr kern="1200" sz="1500">
           <a:solidFill>
             <a:schemeClr val="tx1"/>
           </a:solidFill>
@@ -2988,8 +2989,8 @@
       <a:defPPr>
         <a:defRPr lang="en-US"/>
       </a:defPPr>
-      <a:lvl1pPr marL="0" algn="l" defTabSz="342900" rtl="0" eaLnBrk="1" latinLnBrk="0" hangingPunct="1">
-        <a:defRPr sz="1350" kern="1200">
+      <a:lvl1pPr algn="l" defTabSz="342900" eaLnBrk="1" hangingPunct="1" latinLnBrk="0" marL="0" rtl="0">
+        <a:defRPr kern="1200" sz="1350">
           <a:solidFill>
             <a:schemeClr val="tx1"/>
           </a:solidFill>
@@ -2998,8 +2999,8 @@
           <a:cs typeface="+mn-cs"/>
         </a:defRPr>
       </a:lvl1pPr>
-      <a:lvl2pPr marL="342900" algn="l" defTabSz="342900" rtl="0" eaLnBrk="1" latinLnBrk="0" hangingPunct="1">
-        <a:defRPr sz="1350" kern="1200">
+      <a:lvl2pPr algn="l" defTabSz="342900" eaLnBrk="1" hangingPunct="1" latinLnBrk="0" marL="342900" rtl="0">
+        <a:defRPr kern="1200" sz="1350">
           <a:solidFill>
             <a:schemeClr val="tx1"/>
           </a:solidFill>
@@ -3008,8 +3009,8 @@
           <a:cs typeface="+mn-cs"/>
         </a:defRPr>
       </a:lvl2pPr>
-      <a:lvl3pPr marL="685800" algn="l" defTabSz="342900" rtl="0" eaLnBrk="1" latinLnBrk="0" hangingPunct="1">
-        <a:defRPr sz="1350" kern="1200">
+      <a:lvl3pPr algn="l" defTabSz="342900" eaLnBrk="1" hangingPunct="1" latinLnBrk="0" marL="685800" rtl="0">
+        <a:defRPr kern="1200" sz="1350">
           <a:solidFill>
             <a:schemeClr val="tx1"/>
           </a:solidFill>
@@ -3018,8 +3019,8 @@
           <a:cs typeface="+mn-cs"/>
         </a:defRPr>
       </a:lvl3pPr>
-      <a:lvl4pPr marL="1028700" algn="l" defTabSz="342900" rtl="0" eaLnBrk="1" latinLnBrk="0" hangingPunct="1">
-        <a:defRPr sz="1350" kern="1200">
+      <a:lvl4pPr algn="l" defTabSz="342900" eaLnBrk="1" hangingPunct="1" latinLnBrk="0" marL="1028700" rtl="0">
+        <a:defRPr kern="1200" sz="1350">
           <a:solidFill>
             <a:schemeClr val="tx1"/>
           </a:solidFill>
@@ -3028,8 +3029,8 @@
           <a:cs typeface="+mn-cs"/>
         </a:defRPr>
       </a:lvl4pPr>
-      <a:lvl5pPr marL="1371600" algn="l" defTabSz="342900" rtl="0" eaLnBrk="1" latinLnBrk="0" hangingPunct="1">
-        <a:defRPr sz="1350" kern="1200">
+      <a:lvl5pPr algn="l" defTabSz="342900" eaLnBrk="1" hangingPunct="1" latinLnBrk="0" marL="1371600" rtl="0">
+        <a:defRPr kern="1200" sz="1350">
           <a:solidFill>
             <a:schemeClr val="tx1"/>
           </a:solidFill>
@@ -3038,8 +3039,8 @@
           <a:cs typeface="+mn-cs"/>
         </a:defRPr>
       </a:lvl5pPr>
-      <a:lvl6pPr marL="1714500" algn="l" defTabSz="342900" rtl="0" eaLnBrk="1" latinLnBrk="0" hangingPunct="1">
-        <a:defRPr sz="1350" kern="1200">
+      <a:lvl6pPr algn="l" defTabSz="342900" eaLnBrk="1" hangingPunct="1" latinLnBrk="0" marL="1714500" rtl="0">
+        <a:defRPr kern="1200" sz="1350">
           <a:solidFill>
             <a:schemeClr val="tx1"/>
           </a:solidFill>
@@ -3048,8 +3049,8 @@
           <a:cs typeface="+mn-cs"/>
         </a:defRPr>
       </a:lvl6pPr>
-      <a:lvl7pPr marL="2057400" algn="l" defTabSz="342900" rtl="0" eaLnBrk="1" latinLnBrk="0" hangingPunct="1">
-        <a:defRPr sz="1350" kern="1200">
+      <a:lvl7pPr algn="l" defTabSz="342900" eaLnBrk="1" hangingPunct="1" latinLnBrk="0" marL="2057400" rtl="0">
+        <a:defRPr kern="1200" sz="1350">
           <a:solidFill>
             <a:schemeClr val="tx1"/>
           </a:solidFill>
@@ -3058,8 +3059,8 @@
           <a:cs typeface="+mn-cs"/>
         </a:defRPr>
       </a:lvl7pPr>
-      <a:lvl8pPr marL="2400300" algn="l" defTabSz="342900" rtl="0" eaLnBrk="1" latinLnBrk="0" hangingPunct="1">
-        <a:defRPr sz="1350" kern="1200">
+      <a:lvl8pPr algn="l" defTabSz="342900" eaLnBrk="1" hangingPunct="1" latinLnBrk="0" marL="2400300" rtl="0">
+        <a:defRPr kern="1200" sz="1350">
           <a:solidFill>
             <a:schemeClr val="tx1"/>
           </a:solidFill>
@@ -3068,8 +3069,8 @@
           <a:cs typeface="+mn-cs"/>
         </a:defRPr>
       </a:lvl8pPr>
-      <a:lvl9pPr marL="2743200" algn="l" defTabSz="342900" rtl="0" eaLnBrk="1" latinLnBrk="0" hangingPunct="1">
-        <a:defRPr sz="1350" kern="1200">
+      <a:lvl9pPr algn="l" defTabSz="342900" eaLnBrk="1" hangingPunct="1" latinLnBrk="0" marL="2743200" rtl="0">
+        <a:defRPr kern="1200" sz="1350">
           <a:solidFill>
             <a:schemeClr val="tx1"/>
           </a:solidFill>
@@ -3120,10 +3121,11 @@
           <a:bodyPr/>
           <a:lstStyle/>
           <a:p>
-            <a:pPr marL="0" lvl="0" indent="0">
+            <a:pPr lvl="0" indent="0" marL="0">
               <a:buNone/>
             </a:pPr>
             <a:r>
+              <a:rPr/>
               <a:t>Correlation of O3 and NO2 in Hessen</a:t>
             </a:r>
           </a:p>
@@ -3136,7 +3138,7 @@
             <a:spLocks noGrp="1"/>
           </p:cNvSpPr>
           <p:nvPr>
-            <p:ph type="subTitle" idx="1"/>
+            <p:ph idx="1" type="subTitle"/>
           </p:nvPr>
         </p:nvSpPr>
         <p:spPr>
@@ -3149,12 +3151,13 @@
           <a:bodyPr/>
           <a:lstStyle/>
           <a:p>
-            <a:pPr marL="0" lvl="0" indent="0">
+            <a:pPr lvl="0" indent="0" marL="0">
               <a:buNone/>
             </a:pPr>
             <a:br/>
             <a:br/>
             <a:r>
+              <a:rPr/>
               <a:t>Matthias Lochmann, HLNUG</a:t>
             </a:r>
           </a:p>
@@ -3167,28 +3170,26 @@
             <a:spLocks noGrp="1"/>
           </p:cNvSpPr>
           <p:nvPr>
-            <p:ph type="dt" sz="half" idx="10"/>
-          </p:nvPr>
-        </p:nvSpPr>
-        <p:spPr/>
-        <p:txBody>
-          <a:bodyPr/>
-          <a:lstStyle/>
-          <a:p>
-            <a:pPr marL="0" lvl="0" indent="0">
+            <p:ph idx="10" sz="half" type="dt"/>
+          </p:nvPr>
+        </p:nvSpPr>
+        <p:spPr/>
+        <p:txBody>
+          <a:bodyPr/>
+          <a:lstStyle/>
+          <a:p>
+            <a:pPr lvl="0" indent="0" marL="0">
               <a:buNone/>
             </a:pPr>
             <a:r>
-              <a:t>2025-03-11</a:t>
+              <a:rPr/>
+              <a:t>2025-03-21</a:t>
             </a:r>
           </a:p>
         </p:txBody>
       </p:sp>
     </p:spTree>
   </p:cSld>
-  <p:clrMapOvr>
-    <a:masterClrMapping/>
-  </p:clrMapOvr>
 </p:sld>
 </file>
 
@@ -3224,10 +3225,11 @@
           <a:bodyPr/>
           <a:lstStyle/>
           <a:p>
-            <a:pPr marL="0" lvl="0" indent="0">
+            <a:pPr lvl="0" indent="0" marL="0">
               <a:buNone/>
             </a:pPr>
             <a:r>
+              <a:rPr/>
               <a:t>Conclusion</a:t>
             </a:r>
           </a:p>
@@ -3248,18 +3250,20 @@
           <a:bodyPr/>
           <a:lstStyle/>
           <a:p>
-            <a:pPr marL="0" lvl="0" indent="0">
+            <a:pPr lvl="0" indent="0" marL="0">
               <a:buNone/>
             </a:pPr>
             <a:r>
+              <a:rPr/>
               <a:t>The analyised data consists only of measurement data from Hessen, Germany and does not include O3 measurements at urban traffic sites. However, the observed anticorrelation, might be representative for other regions with similar climate and emission patterns.</a:t>
             </a:r>
           </a:p>
           <a:p>
-            <a:pPr marL="0" lvl="0" indent="0">
+            <a:pPr lvl="0" indent="0" marL="0">
               <a:buNone/>
             </a:pPr>
             <a:r>
+              <a:rPr/>
               <a:t>Most probably, there might be a truly protective effects of NO2 via the destruction of O3. The negative slope of NO2 and relative risk of COPD (when using natural cubic spline method) is not necessarly wrong, when using a single pollutant model without confounder adjustment for O3.</a:t>
             </a:r>
           </a:p>
@@ -3267,9 +3271,6 @@
       </p:sp>
     </p:spTree>
   </p:cSld>
-  <p:clrMapOvr>
-    <a:masterClrMapping/>
-  </p:clrMapOvr>
 </p:sld>
 </file>
 
@@ -3305,11 +3306,12 @@
           <a:bodyPr/>
           <a:lstStyle/>
           <a:p>
-            <a:pPr marL="0" lvl="0" indent="0">
+            <a:pPr lvl="0" indent="0" marL="0">
               <a:buNone/>
             </a:pPr>
             <a:r>
-              <a:t>Counterfactual model</a:t>
+              <a:rPr/>
+              <a:t>Thinking about counterfactual models</a:t>
             </a:r>
           </a:p>
         </p:txBody>
@@ -3329,20 +3331,102 @@
           <a:bodyPr/>
           <a:lstStyle/>
           <a:p>
-            <a:pPr marL="0" lvl="0" indent="0">
+            <a:pPr lvl="0" indent="0" marL="0">
               <a:buNone/>
             </a:pPr>
             <a:r>
-              <a:t>If staying with the single pollutant model, the counterfactual model could be NO2 concentration=0 or TMREL, but with O3 unchanged.</a:t>
+              <a:rPr/>
+              <a:t>When considering a re-analysis of the epidemiological data, it might be worth to consider, which counterfactual model to use.</a:t>
+            </a:r>
+          </a:p>
+          <a:p>
+            <a:pPr lvl="0"/>
+            <a:r>
+              <a:rPr/>
+              <a:t>single pollutant model, with counterfactual scenario NO2 concentration=0 or NO2 concentration=TMREL, but with O3 unchanged. This might be the classical epidemiological approach, however unrealistic, as O3 concentration would increase in real world scenarios.</a:t>
             </a:r>
           </a:p>
         </p:txBody>
       </p:sp>
     </p:spTree>
   </p:cSld>
-  <p:clrMapOvr>
-    <a:masterClrMapping/>
-  </p:clrMapOvr>
+</p:sld>
+</file>
+
+<file path=ppt/slides/slide12.xml><?xml version="1.0" encoding="utf-8"?>
+<p:sld xmlns:a="http://schemas.openxmlformats.org/drawingml/2006/main" xmlns:r="http://schemas.openxmlformats.org/officeDocument/2006/relationships" xmlns:p="http://schemas.openxmlformats.org/presentationml/2006/main">
+  <p:cSld>
+    <p:spTree>
+      <p:nvGrpSpPr>
+        <p:cNvPr id="1" name=""/>
+        <p:cNvGrpSpPr/>
+        <p:nvPr/>
+      </p:nvGrpSpPr>
+      <p:grpSpPr>
+        <a:xfrm>
+          <a:off x="0" y="0"/>
+          <a:ext cx="0" cy="0"/>
+          <a:chOff x="0" y="0"/>
+          <a:chExt cx="0" cy="0"/>
+        </a:xfrm>
+      </p:grpSpPr>
+      <p:sp>
+        <p:nvSpPr>
+          <p:cNvPr id="2" name="Title 1"/>
+          <p:cNvSpPr>
+            <a:spLocks noGrp="1"/>
+          </p:cNvSpPr>
+          <p:nvPr>
+            <p:ph type="title"/>
+          </p:nvPr>
+        </p:nvSpPr>
+        <p:spPr/>
+        <p:txBody>
+          <a:bodyPr/>
+          <a:lstStyle/>
+          <a:p>
+            <a:pPr lvl="0" indent="0" marL="0">
+              <a:buNone/>
+            </a:pPr>
+            <a:r>
+              <a:rPr/>
+              <a:t>Counterfactual model with two pollutants</a:t>
+            </a:r>
+          </a:p>
+        </p:txBody>
+      </p:sp>
+      <p:sp>
+        <p:nvSpPr>
+          <p:cNvPr id="3" name="Content Placeholder 2"/>
+          <p:cNvSpPr>
+            <a:spLocks noGrp="1"/>
+          </p:cNvSpPr>
+          <p:nvPr>
+            <p:ph idx="1"/>
+          </p:nvPr>
+        </p:nvSpPr>
+        <p:spPr/>
+        <p:txBody>
+          <a:bodyPr/>
+          <a:lstStyle/>
+          <a:p>
+            <a:pPr lvl="0"/>
+            <a:r>
+              <a:rPr/>
+              <a:t>single pollutant model, with counterfactual scenario NO2 concentration=0 or NO2 concentration=TMREL, with rising O3 concentration. This might be a more realistic scenario, implicitly used in the analysed performed so far. However, the ERF should then be allowed to have a negative slope.</a:t>
+            </a:r>
+          </a:p>
+          <a:p>
+            <a:pPr lvl="0"/>
+            <a:r>
+              <a:rPr/>
+              <a:t>two pollutant model, with counterfactual scenario both NO2 and O3 concentration=0 or TMREL. This might be the most beautiful, however most unrealistic scenario.</a:t>
+            </a:r>
+          </a:p>
+        </p:txBody>
+      </p:sp>
+    </p:spTree>
+  </p:cSld>
 </p:sld>
 </file>
 
@@ -3378,10 +3462,11 @@
           <a:bodyPr/>
           <a:lstStyle/>
           <a:p>
-            <a:pPr marL="0" lvl="0" indent="0">
+            <a:pPr lvl="0" indent="0" marL="0">
               <a:buNone/>
             </a:pPr>
             <a:r>
+              <a:rPr/>
               <a:t>Impressum</a:t>
             </a:r>
           </a:p>
@@ -3402,10 +3487,11 @@
           <a:bodyPr/>
           <a:lstStyle/>
           <a:p>
-            <a:pPr marL="0" lvl="0" indent="0">
+            <a:pPr lvl="0" indent="0" marL="0">
               <a:buNone/>
             </a:pPr>
             <a:r>
+              <a:rPr/>
               <a:t>All measurement data in this document is available from </a:t>
             </a:r>
             <a:r>
@@ -3415,6 +3501,7 @@
               <a:t>https://www.hlnug.de/messwerte/datenportal/luftmessnetz</a:t>
             </a:r>
             <a:r>
+              <a:rPr/>
               <a:t>. The analysis is maintained at </a:t>
             </a:r>
             <a:r>
@@ -3424,16 +3511,14 @@
               <a:t>https://github.com/Ma-Loma/Antikor.git</a:t>
             </a:r>
             <a:r>
-              <a:t> and was performed by Matthias Lochmann (HLNUG) on 2025-03-11.</a:t>
+              <a:rPr/>
+              <a:t> and was performed by Matthias Lochmann (HLNUG) on 2025-03-21.</a:t>
             </a:r>
           </a:p>
         </p:txBody>
       </p:sp>
     </p:spTree>
   </p:cSld>
-  <p:clrMapOvr>
-    <a:masterClrMapping/>
-  </p:clrMapOvr>
 </p:sld>
 </file>
 
@@ -3474,10 +3559,11 @@
           <a:bodyPr/>
           <a:lstStyle/>
           <a:p>
-            <a:pPr marL="0" lvl="0" indent="0">
+            <a:pPr lvl="0" indent="0" marL="0">
               <a:buNone/>
             </a:pPr>
             <a:r>
+              <a:rPr/>
               <a:t>Motivation</a:t>
             </a:r>
           </a:p>
@@ -3490,18 +3576,19 @@
             <a:spLocks noGrp="1"/>
           </p:cNvSpPr>
           <p:nvPr>
-            <p:ph type="body" sz="half" idx="2"/>
-          </p:nvPr>
-        </p:nvSpPr>
-        <p:spPr/>
-        <p:txBody>
-          <a:bodyPr/>
-          <a:lstStyle/>
-          <a:p>
-            <a:pPr marL="0" lvl="0" indent="0">
+            <p:ph idx="2" sz="half" type="body"/>
+          </p:nvPr>
+        </p:nvSpPr>
+        <p:spPr/>
+        <p:txBody>
+          <a:bodyPr/>
+          <a:lstStyle/>
+          <a:p>
+            <a:pPr lvl="0" indent="0" marL="0">
               <a:buNone/>
             </a:pPr>
             <a:r>
+              <a:rPr/>
               <a:t>In the burden-eu webinar with title “Establishing new exposure-response functions for air pollutants and environmental noise”, the results of different metaanalyses on NO2 and relative risk of COPD were presented. Depending on the analysis methods and constraints, the risk might have a negative slope. However, this might be due to the correlation of NO2 with O3. As it is likely, that O3 increases the risk of COPD, the negative slope might be due to the correlation of NO2 with O3. This presentation will show the correlation of NO2 and O3 in Hessen (Germany).</a:t>
             </a:r>
           </a:p>
@@ -3509,7 +3596,7 @@
       </p:sp>
       <p:pic>
         <p:nvPicPr>
-          <p:cNvPr id="3" name="Picture 1" descr="img/BestCostScreenshot.png"/>
+          <p:cNvPr descr="img/BestCostScreenshot.png" id="0" name="Picture 1"/>
           <p:cNvPicPr>
             <a:picLocks noGrp="1" noChangeAspect="1"/>
           </p:cNvPicPr>
@@ -3539,9 +3626,6 @@
       </p:pic>
     </p:spTree>
   </p:cSld>
-  <p:clrMapOvr>
-    <a:masterClrMapping/>
-  </p:clrMapOvr>
 </p:sld>
 </file>
 
@@ -3577,10 +3661,11 @@
           <a:bodyPr/>
           <a:lstStyle/>
           <a:p>
-            <a:pPr marL="0" lvl="0" indent="0">
+            <a:pPr lvl="0" indent="0" marL="0">
               <a:buNone/>
             </a:pPr>
             <a:r>
+              <a:rPr/>
               <a:t>Measurements from Hessen</a:t>
             </a:r>
           </a:p>
@@ -3601,32 +3686,18 @@
           <a:bodyPr/>
           <a:lstStyle/>
           <a:p>
-            <a:pPr marL="0" lvl="0" indent="0">
+            <a:pPr lvl="0" indent="0" marL="0">
               <a:buNone/>
             </a:pPr>
             <a:r>
-              <a:rPr dirty="0"/>
-              <a:t>Measured NO2 and O3 concentrations as annual averages since 2005.</a:t>
-            </a:r>
-            <a:r>
-              <a:rPr lang="de-DE"/>
-              <a:t> </a:t>
-            </a:r>
-            <a:r>
-              <a:t>The measurement site categories are symbolized as different colors. </a:t>
-            </a:r>
-            <a:r>
-              <a:rPr dirty="0"/>
-              <a:t>O3 is measured at “Rural Background” sites, but not routinely measured at “Urban Background” and not at all at “Urban Traffic” sites. See yearly averages at next slide.</a:t>
+              <a:rPr/>
+              <a:t>The next graph shows the annual averages of measured NO2 and O3 concentrations since 2005. The measurement site categories are symbolized as different colors. O3 is measured at all “Rural Background” sites, at most “Urban Background” sites, but not at “Urban Traffic” sites.</a:t>
             </a:r>
           </a:p>
         </p:txBody>
       </p:sp>
     </p:spTree>
   </p:cSld>
-  <p:clrMapOvr>
-    <a:masterClrMapping/>
-  </p:clrMapOvr>
 </p:sld>
 </file>
 
@@ -3662,10 +3733,11 @@
           <a:bodyPr/>
           <a:lstStyle/>
           <a:p>
-            <a:pPr marL="0" lvl="0" indent="0">
+            <a:pPr lvl="0" indent="0" marL="0">
               <a:buNone/>
             </a:pPr>
             <a:r>
+              <a:rPr/>
               <a:t>NO2 and O3 yearly averages</a:t>
             </a:r>
           </a:p>
@@ -3673,7 +3745,7 @@
       </p:sp>
       <p:pic>
         <p:nvPicPr>
-          <p:cNvPr id="3" name="Picture 1" descr="VglO3NO2_files/figure-pptx/jahresmittelverlauf-1.png"/>
+          <p:cNvPr descr="VglO3NO2_files/figure-pptx/jahresmittelverlauf-1.png" id="0" name="Picture 1"/>
           <p:cNvPicPr>
             <a:picLocks noGrp="1" noChangeAspect="1"/>
           </p:cNvPicPr>
@@ -3703,9 +3775,6 @@
       </p:pic>
     </p:spTree>
   </p:cSld>
-  <p:clrMapOvr>
-    <a:masterClrMapping/>
-  </p:clrMapOvr>
 </p:sld>
 </file>
 
@@ -3741,44 +3810,97 @@
           <a:bodyPr/>
           <a:lstStyle/>
           <a:p>
-            <a:pPr marL="0" lvl="0" indent="0">
+            <a:pPr lvl="0" indent="0" marL="0">
               <a:buNone/>
             </a:pPr>
             <a:r>
+              <a:rPr/>
               <a:t>Correlation of NO2 and O3</a:t>
             </a:r>
           </a:p>
         </p:txBody>
       </p:sp>
-      <p:sp>
-        <p:nvSpPr>
-          <p:cNvPr id="3" name="Content Placeholder 2"/>
-          <p:cNvSpPr>
-            <a:spLocks noGrp="1"/>
-          </p:cNvSpPr>
-          <p:nvPr>
-            <p:ph idx="1"/>
-          </p:nvPr>
-        </p:nvSpPr>
-        <p:spPr/>
-        <p:txBody>
-          <a:bodyPr/>
-          <a:lstStyle/>
-          <a:p>
-            <a:pPr marL="0" lvl="0" indent="0">
-              <a:buNone/>
-            </a:pPr>
-            <a:r>
-              <a:t>The next scatterplot of yearly average values since 2005 shows a strong negative correlation of concentrations of NO2 and O3. As some stations are only measuring NO2, the O3 missing values are artificially set to 30 or 31 µg/m³, for “Urban Traffic” and “Urban Background” sites respectively. However, these sites are expected to have low O3 concentrations, so this would fit to the negative correlation. (The years are gradually color coded, to make visible the time trend. The time trend might be interesting, but is not the main focus of this analysis.)</a:t>
-            </a:r>
-          </a:p>
-        </p:txBody>
-      </p:sp>
+      <mc:AlternateContent xmlns:mc="http://schemas.openxmlformats.org/markup-compatibility/2006">
+        <mc:Choice xmlns:a14="http://schemas.microsoft.com/office/drawing/2010/main" Requires="a14">
+          <p:sp>
+            <p:nvSpPr>
+              <p:cNvPr id="3" name="Content Placeholder 2"/>
+              <p:cNvSpPr>
+                <a:spLocks noGrp="1"/>
+              </p:cNvSpPr>
+              <p:nvPr>
+                <p:ph idx="1"/>
+              </p:nvPr>
+            </p:nvSpPr>
+            <p:spPr/>
+            <p:txBody>
+              <a:bodyPr/>
+              <a:lstStyle/>
+              <a:p>
+                <a:pPr lvl="0" indent="0" marL="0">
+                  <a:buNone/>
+                </a:pPr>
+                <a:r>
+                  <a:rPr/>
+                  <a:t>The next scatterplot of yearly average values since 2005 shows a strong negative correlation of concentrations of NO2 and O3. The red lines are simple two parameter fits with </a:t>
+                </a:r>
+                <a14:m>
+                  <m:oMath xmlns:m="http://schemas.openxmlformats.org/officeDocument/2006/math">
+                    <m:r>
+                      <m:t>O</m:t>
+                    </m:r>
+                    <m:r>
+                      <m:t>3</m:t>
+                    </m:r>
+                    <m:r>
+                      <m:rPr>
+                        <m:sty m:val="p"/>
+                      </m:rPr>
+                      <m:t>=</m:t>
+                    </m:r>
+                    <m:f>
+                      <m:fPr>
+                        <m:type m:val="bar"/>
+                      </m:fPr>
+                      <m:num>
+                        <m:r>
+                          <m:t>a</m:t>
+                        </m:r>
+                      </m:num>
+                      <m:den>
+                        <m:r>
+                          <m:t>N</m:t>
+                        </m:r>
+                        <m:r>
+                          <m:t>O</m:t>
+                        </m:r>
+                        <m:r>
+                          <m:t>2</m:t>
+                        </m:r>
+                      </m:den>
+                    </m:f>
+                    <m:r>
+                      <m:rPr>
+                        <m:sty m:val="p"/>
+                      </m:rPr>
+                      <m:t>+</m:t>
+                    </m:r>
+                    <m:r>
+                      <m:t>b</m:t>
+                    </m:r>
+                  </m:oMath>
+                </a14:m>
+                <a:r>
+                  <a:rPr/>
+                  <a:t>. As some stations are only measuring NO2, the data are not included in the fit. However there are included in the plot, with the O3 missing values artificially set to 30 or 31 µg/m³, for “Urban Traffic” and “Urban Background” sites respectively. (The graph is faceted and color coded by year, to make visible the time trend. The time trend might be interesting, but is not the main focus of this analysis.)</a:t>
+                </a:r>
+              </a:p>
+            </p:txBody>
+          </p:sp>
+        </mc:Choice>
+      </mc:AlternateContent>
     </p:spTree>
   </p:cSld>
-  <p:clrMapOvr>
-    <a:masterClrMapping/>
-  </p:clrMapOvr>
 </p:sld>
 </file>
 
@@ -3814,10 +3936,11 @@
           <a:bodyPr/>
           <a:lstStyle/>
           <a:p>
-            <a:pPr marL="0" lvl="0" indent="0">
+            <a:pPr lvl="0" indent="0" marL="0">
               <a:buNone/>
             </a:pPr>
             <a:r>
+              <a:rPr/>
               <a:t>Correlation of NO2 and O3</a:t>
             </a:r>
           </a:p>
@@ -3825,7 +3948,7 @@
       </p:sp>
       <p:pic>
         <p:nvPicPr>
-          <p:cNvPr id="3" name="Picture 1" descr="VglO3NO2_files/figure-pptx/jahresmittelcorrelation-1.png"/>
+          <p:cNvPr descr="VglO3NO2_files/figure-pptx/jahresmittelcorrelation-1.png" id="0" name="Picture 1"/>
           <p:cNvPicPr>
             <a:picLocks noGrp="1" noChangeAspect="1"/>
           </p:cNvPicPr>
@@ -3855,9 +3978,6 @@
       </p:pic>
     </p:spTree>
   </p:cSld>
-  <p:clrMapOvr>
-    <a:masterClrMapping/>
-  </p:clrMapOvr>
 </p:sld>
 </file>
 
@@ -3893,44 +4013,97 @@
           <a:bodyPr/>
           <a:lstStyle/>
           <a:p>
-            <a:pPr marL="0" lvl="0" indent="0">
+            <a:pPr lvl="0" indent="0" marL="0">
               <a:buNone/>
             </a:pPr>
             <a:r>
+              <a:rPr/>
               <a:t>Daily resolution</a:t>
             </a:r>
           </a:p>
         </p:txBody>
       </p:sp>
-      <p:sp>
-        <p:nvSpPr>
-          <p:cNvPr id="3" name="Content Placeholder 2"/>
-          <p:cNvSpPr>
-            <a:spLocks noGrp="1"/>
-          </p:cNvSpPr>
-          <p:nvPr>
-            <p:ph idx="1"/>
-          </p:nvPr>
-        </p:nvSpPr>
-        <p:spPr/>
-        <p:txBody>
-          <a:bodyPr/>
-          <a:lstStyle/>
-          <a:p>
-            <a:pPr marL="0" lvl="0" indent="0">
-              <a:buNone/>
-            </a:pPr>
-            <a:r>
-              <a:t>Although the longterm epidemiological studies are based on yearly averages, the daily resolution might be interesting for the correlation of NO2 and O3. The daily resolution of NO2 and O3 concentrations shows a similar negative correlation. The scatterplot is faceted by the measurement site category and the quarter of the year. (Again, the time is color coded, but not the main focus of the analysis.)</a:t>
-            </a:r>
-          </a:p>
-        </p:txBody>
-      </p:sp>
+      <mc:AlternateContent xmlns:mc="http://schemas.openxmlformats.org/markup-compatibility/2006">
+        <mc:Choice xmlns:a14="http://schemas.microsoft.com/office/drawing/2010/main" Requires="a14">
+          <p:sp>
+            <p:nvSpPr>
+              <p:cNvPr id="3" name="Content Placeholder 2"/>
+              <p:cNvSpPr>
+                <a:spLocks noGrp="1"/>
+              </p:cNvSpPr>
+              <p:nvPr>
+                <p:ph idx="1"/>
+              </p:nvPr>
+            </p:nvSpPr>
+            <p:spPr/>
+            <p:txBody>
+              <a:bodyPr/>
+              <a:lstStyle/>
+              <a:p>
+                <a:pPr lvl="0" indent="0" marL="0">
+                  <a:buNone/>
+                </a:pPr>
+                <a:r>
+                  <a:rPr/>
+                  <a:t>The longterm epidemiological studies are based on yearly averages. However, the next scatterplot of measured NO2 and O3 concentrations with daily resolution might give insights on air-chemistry dynamics. Most of the facets (measurement site category and season) show similar negative correlation. Again, the red lines are simple two parameter fits with </a:t>
+                </a:r>
+                <a14:m>
+                  <m:oMath xmlns:m="http://schemas.openxmlformats.org/officeDocument/2006/math">
+                    <m:r>
+                      <m:t>O</m:t>
+                    </m:r>
+                    <m:r>
+                      <m:t>3</m:t>
+                    </m:r>
+                    <m:r>
+                      <m:rPr>
+                        <m:sty m:val="p"/>
+                      </m:rPr>
+                      <m:t>=</m:t>
+                    </m:r>
+                    <m:f>
+                      <m:fPr>
+                        <m:type m:val="bar"/>
+                      </m:fPr>
+                      <m:num>
+                        <m:r>
+                          <m:t>a</m:t>
+                        </m:r>
+                      </m:num>
+                      <m:den>
+                        <m:r>
+                          <m:t>N</m:t>
+                        </m:r>
+                        <m:r>
+                          <m:t>O</m:t>
+                        </m:r>
+                        <m:r>
+                          <m:t>2</m:t>
+                        </m:r>
+                      </m:den>
+                    </m:f>
+                    <m:r>
+                      <m:rPr>
+                        <m:sty m:val="p"/>
+                      </m:rPr>
+                      <m:t>+</m:t>
+                    </m:r>
+                    <m:r>
+                      <m:t>b</m:t>
+                    </m:r>
+                  </m:oMath>
+                </a14:m>
+                <a:r>
+                  <a:rPr/>
+                  <a:t>. Obviously, it does not describe the data as well as the yearly data, but still illustrates the anti-correlation of NO2 and O3. (Again, the time is color coded, but not the main focus of the analysis.)</a:t>
+                </a:r>
+              </a:p>
+            </p:txBody>
+          </p:sp>
+        </mc:Choice>
+      </mc:AlternateContent>
     </p:spTree>
   </p:cSld>
-  <p:clrMapOvr>
-    <a:masterClrMapping/>
-  </p:clrMapOvr>
 </p:sld>
 </file>
 
@@ -3961,56 +4134,24 @@
             <p:ph type="title"/>
           </p:nvPr>
         </p:nvSpPr>
-        <p:spPr>
-          <a:xfrm>
-            <a:off x="457201" y="204787"/>
-            <a:ext cx="3008313" cy="871538"/>
-          </a:xfrm>
-        </p:spPr>
-        <p:txBody>
-          <a:bodyPr/>
-          <a:lstStyle/>
-          <a:p>
-            <a:pPr marL="0" lvl="0" indent="0">
+        <p:spPr/>
+        <p:txBody>
+          <a:bodyPr/>
+          <a:lstStyle/>
+          <a:p>
+            <a:pPr lvl="0" indent="0" marL="0">
               <a:buNone/>
             </a:pPr>
             <a:r>
+              <a:rPr/>
               <a:t>Daily resolution</a:t>
-            </a:r>
-          </a:p>
-        </p:txBody>
-      </p:sp>
-      <p:sp>
-        <p:nvSpPr>
-          <p:cNvPr id="4" name="Text Placeholder 3"/>
-          <p:cNvSpPr>
-            <a:spLocks noGrp="1"/>
-          </p:cNvSpPr>
-          <p:nvPr>
-            <p:ph type="body" sz="half" idx="2"/>
-          </p:nvPr>
-        </p:nvSpPr>
-        <p:spPr/>
-        <p:txBody>
-          <a:bodyPr/>
-          <a:lstStyle/>
-          <a:p>
-            <a:pPr lvl="0" indent="0">
-              <a:buNone/>
-            </a:pPr>
-            <a:r>
-              <a:rPr>
-                <a:latin typeface="Courier"/>
-              </a:rPr>
-              <a:t>## Warning: Removed 772 rows containing missing values or values outside the scale range
-## (`geom_point()`).</a:t>
             </a:r>
           </a:p>
         </p:txBody>
       </p:sp>
       <p:pic>
         <p:nvPicPr>
-          <p:cNvPr id="3" name="Picture 1" descr="VglO3NO2_files/figure-pptx/dailyresolution-1.png"/>
+          <p:cNvPr descr="VglO3NO2_files/figure-pptx/dailyresolution-1.png" id="0" name="Picture 1"/>
           <p:cNvPicPr>
             <a:picLocks noGrp="1" noChangeAspect="1"/>
           </p:cNvPicPr>
@@ -4024,8 +4165,8 @@
         </p:blipFill>
         <p:spPr bwMode="auto">
           <a:xfrm>
-            <a:off x="3568700" y="1117600"/>
-            <a:ext cx="5105400" cy="2552700"/>
+            <a:off x="1181100" y="1193800"/>
+            <a:ext cx="6781800" cy="3390900"/>
           </a:xfrm>
           <a:prstGeom prst="rect">
             <a:avLst/>
@@ -4040,9 +4181,6 @@
       </p:pic>
     </p:spTree>
   </p:cSld>
-  <p:clrMapOvr>
-    <a:masterClrMapping/>
-  </p:clrMapOvr>
 </p:sld>
 </file>
 
@@ -4364,4 +4502,265 @@
   </a:objectDefaults>
   <a:extraClrSchemeLst/>
 </a:theme>
+</file>
+
+<file path=ppt/theme/theme2.xml><?xml version="1.0" encoding="utf-8"?>
+<a:theme xmlns:a="http://schemas.openxmlformats.org/drawingml/2006/main" name="Office Theme">
+  <a:themeElements>
+    <a:clrScheme name="Office">
+      <a:dk1>
+        <a:sysClr val="windowText" lastClr="000000"/>
+      </a:dk1>
+      <a:lt1>
+        <a:sysClr val="window" lastClr="FFFFFF"/>
+      </a:lt1>
+      <a:dk2>
+        <a:srgbClr val="44546A"/>
+      </a:dk2>
+      <a:lt2>
+        <a:srgbClr val="E7E6E6"/>
+      </a:lt2>
+      <a:accent1>
+        <a:srgbClr val="5B9BD5"/>
+      </a:accent1>
+      <a:accent2>
+        <a:srgbClr val="ED7D31"/>
+      </a:accent2>
+      <a:accent3>
+        <a:srgbClr val="A5A5A5"/>
+      </a:accent3>
+      <a:accent4>
+        <a:srgbClr val="FFC000"/>
+      </a:accent4>
+      <a:accent5>
+        <a:srgbClr val="4472C4"/>
+      </a:accent5>
+      <a:accent6>
+        <a:srgbClr val="70AD47"/>
+      </a:accent6>
+      <a:hlink>
+        <a:srgbClr val="0563C1"/>
+      </a:hlink>
+      <a:folHlink>
+        <a:srgbClr val="954F72"/>
+      </a:folHlink>
+    </a:clrScheme>
+    <a:fontScheme name="Office">
+      <a:majorFont>
+        <a:latin typeface="Calibri Light" panose="020F0302020204030204"/>
+        <a:ea typeface=""/>
+        <a:cs typeface=""/>
+        <a:font script="Jpan" typeface="ＭＳ Ｐゴシック"/>
+        <a:font script="Hang" typeface="맑은 고딕"/>
+        <a:font script="Hans" typeface="宋体"/>
+        <a:font script="Hant" typeface="新細明體"/>
+        <a:font script="Arab" typeface="Times New Roman"/>
+        <a:font script="Hebr" typeface="Times New Roman"/>
+        <a:font script="Thai" typeface="Angsana New"/>
+        <a:font script="Ethi" typeface="Nyala"/>
+        <a:font script="Beng" typeface="Vrinda"/>
+        <a:font script="Gujr" typeface="Shruti"/>
+        <a:font script="Khmr" typeface="MoolBoran"/>
+        <a:font script="Knda" typeface="Tunga"/>
+        <a:font script="Guru" typeface="Raavi"/>
+        <a:font script="Cans" typeface="Euphemia"/>
+        <a:font script="Cher" typeface="Plantagenet Cherokee"/>
+        <a:font script="Yiii" typeface="Microsoft Yi Baiti"/>
+        <a:font script="Tibt" typeface="Microsoft Himalaya"/>
+        <a:font script="Thaa" typeface="MV Boli"/>
+        <a:font script="Deva" typeface="Mangal"/>
+        <a:font script="Telu" typeface="Gautami"/>
+        <a:font script="Taml" typeface="Latha"/>
+        <a:font script="Syrc" typeface="Estrangelo Edessa"/>
+        <a:font script="Orya" typeface="Kalinga"/>
+        <a:font script="Mlym" typeface="Kartika"/>
+        <a:font script="Laoo" typeface="DokChampa"/>
+        <a:font script="Sinh" typeface="Iskoola Pota"/>
+        <a:font script="Mong" typeface="Mongolian Baiti"/>
+        <a:font script="Viet" typeface="Times New Roman"/>
+        <a:font script="Uigh" typeface="Microsoft Uighur"/>
+        <a:font script="Geor" typeface="Sylfaen"/>
+      </a:majorFont>
+      <a:minorFont>
+        <a:latin typeface="Calibri" panose="020F0502020204030204"/>
+        <a:ea typeface=""/>
+        <a:cs typeface=""/>
+        <a:font script="Jpan" typeface="ＭＳ Ｐゴシック"/>
+        <a:font script="Hang" typeface="맑은 고딕"/>
+        <a:font script="Hans" typeface="宋体"/>
+        <a:font script="Hant" typeface="新細明體"/>
+        <a:font script="Arab" typeface="Arial"/>
+        <a:font script="Hebr" typeface="Arial"/>
+        <a:font script="Thai" typeface="Cordia New"/>
+        <a:font script="Ethi" typeface="Nyala"/>
+        <a:font script="Beng" typeface="Vrinda"/>
+        <a:font script="Gujr" typeface="Shruti"/>
+        <a:font script="Khmr" typeface="DaunPenh"/>
+        <a:font script="Knda" typeface="Tunga"/>
+        <a:font script="Guru" typeface="Raavi"/>
+        <a:font script="Cans" typeface="Euphemia"/>
+        <a:font script="Cher" typeface="Plantagenet Cherokee"/>
+        <a:font script="Yiii" typeface="Microsoft Yi Baiti"/>
+        <a:font script="Tibt" typeface="Microsoft Himalaya"/>
+        <a:font script="Thaa" typeface="MV Boli"/>
+        <a:font script="Deva" typeface="Mangal"/>
+        <a:font script="Telu" typeface="Gautami"/>
+        <a:font script="Taml" typeface="Latha"/>
+        <a:font script="Syrc" typeface="Estrangelo Edessa"/>
+        <a:font script="Orya" typeface="Kalinga"/>
+        <a:font script="Mlym" typeface="Kartika"/>
+        <a:font script="Laoo" typeface="DokChampa"/>
+        <a:font script="Sinh" typeface="Iskoola Pota"/>
+        <a:font script="Mong" typeface="Mongolian Baiti"/>
+        <a:font script="Viet" typeface="Arial"/>
+        <a:font script="Uigh" typeface="Microsoft Uighur"/>
+        <a:font script="Geor" typeface="Sylfaen"/>
+      </a:minorFont>
+    </a:fontScheme>
+    <a:fmtScheme name="Office">
+      <a:fillStyleLst>
+        <a:solidFill>
+          <a:schemeClr val="phClr"/>
+        </a:solidFill>
+        <a:gradFill rotWithShape="1">
+          <a:gsLst>
+            <a:gs pos="0">
+              <a:schemeClr val="phClr">
+                <a:lumMod val="110000"/>
+                <a:satMod val="105000"/>
+                <a:tint val="67000"/>
+              </a:schemeClr>
+            </a:gs>
+            <a:gs pos="50000">
+              <a:schemeClr val="phClr">
+                <a:lumMod val="105000"/>
+                <a:satMod val="103000"/>
+                <a:tint val="73000"/>
+              </a:schemeClr>
+            </a:gs>
+            <a:gs pos="100000">
+              <a:schemeClr val="phClr">
+                <a:lumMod val="105000"/>
+                <a:satMod val="109000"/>
+                <a:tint val="81000"/>
+              </a:schemeClr>
+            </a:gs>
+          </a:gsLst>
+          <a:lin ang="5400000" scaled="0"/>
+        </a:gradFill>
+        <a:gradFill rotWithShape="1">
+          <a:gsLst>
+            <a:gs pos="0">
+              <a:schemeClr val="phClr">
+                <a:satMod val="103000"/>
+                <a:lumMod val="102000"/>
+                <a:tint val="94000"/>
+              </a:schemeClr>
+            </a:gs>
+            <a:gs pos="50000">
+              <a:schemeClr val="phClr">
+                <a:satMod val="110000"/>
+                <a:lumMod val="100000"/>
+                <a:shade val="100000"/>
+              </a:schemeClr>
+            </a:gs>
+            <a:gs pos="100000">
+              <a:schemeClr val="phClr">
+                <a:lumMod val="99000"/>
+                <a:satMod val="120000"/>
+                <a:shade val="78000"/>
+              </a:schemeClr>
+            </a:gs>
+          </a:gsLst>
+          <a:lin ang="5400000" scaled="0"/>
+        </a:gradFill>
+      </a:fillStyleLst>
+      <a:lnStyleLst>
+        <a:ln w="6350" cap="flat" cmpd="sng" algn="ctr">
+          <a:solidFill>
+            <a:schemeClr val="phClr"/>
+          </a:solidFill>
+          <a:prstDash val="solid"/>
+          <a:miter lim="800000"/>
+        </a:ln>
+        <a:ln w="12700" cap="flat" cmpd="sng" algn="ctr">
+          <a:solidFill>
+            <a:schemeClr val="phClr"/>
+          </a:solidFill>
+          <a:prstDash val="solid"/>
+          <a:miter lim="800000"/>
+        </a:ln>
+        <a:ln w="19050" cap="flat" cmpd="sng" algn="ctr">
+          <a:solidFill>
+            <a:schemeClr val="phClr"/>
+          </a:solidFill>
+          <a:prstDash val="solid"/>
+          <a:miter lim="800000"/>
+        </a:ln>
+      </a:lnStyleLst>
+      <a:effectStyleLst>
+        <a:effectStyle>
+          <a:effectLst/>
+        </a:effectStyle>
+        <a:effectStyle>
+          <a:effectLst/>
+        </a:effectStyle>
+        <a:effectStyle>
+          <a:effectLst>
+            <a:outerShdw blurRad="57150" dist="19050" dir="5400000" algn="ctr" rotWithShape="0">
+              <a:srgbClr val="000000">
+                <a:alpha val="63000"/>
+              </a:srgbClr>
+            </a:outerShdw>
+          </a:effectLst>
+        </a:effectStyle>
+      </a:effectStyleLst>
+      <a:bgFillStyleLst>
+        <a:solidFill>
+          <a:schemeClr val="phClr"/>
+        </a:solidFill>
+        <a:solidFill>
+          <a:schemeClr val="phClr">
+            <a:tint val="95000"/>
+            <a:satMod val="170000"/>
+          </a:schemeClr>
+        </a:solidFill>
+        <a:gradFill rotWithShape="1">
+          <a:gsLst>
+            <a:gs pos="0">
+              <a:schemeClr val="phClr">
+                <a:tint val="93000"/>
+                <a:satMod val="150000"/>
+                <a:shade val="98000"/>
+                <a:lumMod val="102000"/>
+              </a:schemeClr>
+            </a:gs>
+            <a:gs pos="50000">
+              <a:schemeClr val="phClr">
+                <a:tint val="98000"/>
+                <a:satMod val="130000"/>
+                <a:shade val="90000"/>
+                <a:lumMod val="103000"/>
+              </a:schemeClr>
+            </a:gs>
+            <a:gs pos="100000">
+              <a:schemeClr val="phClr">
+                <a:shade val="63000"/>
+                <a:satMod val="120000"/>
+              </a:schemeClr>
+            </a:gs>
+          </a:gsLst>
+          <a:lin ang="5400000" scaled="0"/>
+        </a:gradFill>
+      </a:bgFillStyleLst>
+    </a:fmtScheme>
+  </a:themeElements>
+  <a:objectDefaults/>
+  <a:extraClrSchemeLst/>
+  <a:extLst>
+    <a:ext uri="{05A4C25C-085E-4340-85A3-A5531E510DB2}">
+      <thm15:themeFamily xmlns:thm15="http://schemas.microsoft.com/office/thememl/2012/main" name="Office Theme" id="{62F939B6-93AF-4DB8-9C6B-D6C7DFDC589F}" vid="{4A3C46E8-61CC-4603-A589-7422A47A8E4A}"/>
+    </a:ext>
+  </a:extLst>
+</a:theme>
 </file>
--- a/VglO3NO2.pptx
+++ b/VglO3NO2.pptx
@@ -17,8 +17,9 @@
     <p:sldId id="265" r:id="rId11"/>
     <p:sldId id="266" r:id="rId12"/>
     <p:sldId id="267" r:id="rId13"/>
+    <p:sldId id="268" r:id="rId14"/>
   </p:sldIdLst>
-  <p:sldSz cx="9144000" cy="5143500" type="screen16x9"/>
+  <p:sldSz cx="9144000" cy="6858000" type="screen4x3"/>
   <p:notesSz cx="6858000" cy="9144000"/>
   <p:defaultTextStyle>
     <a:defPPr>
@@ -118,12 +119,12 @@
   <p:extLst>
     <p:ext uri="{EFAFB233-063F-42B5-8137-9DF3F51BA10A}">
       <p15:sldGuideLst xmlns:p15="http://schemas.microsoft.com/office/powerpoint/2012/main">
-        <p15:guide id="1" orient="horz" pos="1620" userDrawn="1">
+        <p15:guide id="1" orient="horz" pos="2160">
           <p15:clr>
             <a:srgbClr val="A4A3A4"/>
           </p15:clr>
         </p15:guide>
-        <p15:guide id="2" pos="2880" userDrawn="1">
+        <p15:guide id="2" pos="2880">
           <p15:clr>
             <a:srgbClr val="A4A3A4"/>
           </p15:clr>
@@ -163,8 +164,8 @@
         </p:nvSpPr>
         <p:spPr>
           <a:xfrm>
-            <a:off x="685800" y="1597819"/>
-            <a:ext cx="7772400" cy="1102519"/>
+            <a:off x="685800" y="2130425"/>
+            <a:ext cx="7772400" cy="1470025"/>
           </a:xfrm>
         </p:spPr>
         <p:txBody>
@@ -172,9 +173,10 @@
           <a:lstStyle/>
           <a:p>
             <a:r>
-              <a:rPr lang="en-US"/>
+              <a:rPr lang="en-US" smtClean="0"/>
               <a:t>Click to edit Master title style</a:t>
             </a:r>
+            <a:endParaRPr lang="en-US"/>
           </a:p>
         </p:txBody>
       </p:sp>
@@ -190,8 +192,8 @@
         </p:nvSpPr>
         <p:spPr>
           <a:xfrm>
-            <a:off x="1371600" y="2914650"/>
-            <a:ext cx="6400800" cy="1314450"/>
+            <a:off x="1371600" y="3886200"/>
+            <a:ext cx="6400800" cy="1752600"/>
           </a:xfrm>
         </p:spPr>
         <p:txBody>
@@ -207,7 +209,7 @@
                 </a:solidFill>
               </a:defRPr>
             </a:lvl1pPr>
-            <a:lvl2pPr marL="342900" indent="0" algn="ctr">
+            <a:lvl2pPr marL="457200" indent="0" algn="ctr">
               <a:buNone/>
               <a:defRPr>
                 <a:solidFill>
@@ -217,7 +219,7 @@
                 </a:solidFill>
               </a:defRPr>
             </a:lvl2pPr>
-            <a:lvl3pPr marL="685800" indent="0" algn="ctr">
+            <a:lvl3pPr marL="914400" indent="0" algn="ctr">
               <a:buNone/>
               <a:defRPr>
                 <a:solidFill>
@@ -227,7 +229,7 @@
                 </a:solidFill>
               </a:defRPr>
             </a:lvl3pPr>
-            <a:lvl4pPr marL="1028700" indent="0" algn="ctr">
+            <a:lvl4pPr marL="1371600" indent="0" algn="ctr">
               <a:buNone/>
               <a:defRPr>
                 <a:solidFill>
@@ -237,7 +239,7 @@
                 </a:solidFill>
               </a:defRPr>
             </a:lvl4pPr>
-            <a:lvl5pPr marL="1371600" indent="0" algn="ctr">
+            <a:lvl5pPr marL="1828800" indent="0" algn="ctr">
               <a:buNone/>
               <a:defRPr>
                 <a:solidFill>
@@ -247,7 +249,7 @@
                 </a:solidFill>
               </a:defRPr>
             </a:lvl5pPr>
-            <a:lvl6pPr marL="1714500" indent="0" algn="ctr">
+            <a:lvl6pPr marL="2286000" indent="0" algn="ctr">
               <a:buNone/>
               <a:defRPr>
                 <a:solidFill>
@@ -257,7 +259,7 @@
                 </a:solidFill>
               </a:defRPr>
             </a:lvl6pPr>
-            <a:lvl7pPr marL="2057400" indent="0" algn="ctr">
+            <a:lvl7pPr marL="2743200" indent="0" algn="ctr">
               <a:buNone/>
               <a:defRPr>
                 <a:solidFill>
@@ -267,7 +269,7 @@
                 </a:solidFill>
               </a:defRPr>
             </a:lvl7pPr>
-            <a:lvl8pPr marL="2400300" indent="0" algn="ctr">
+            <a:lvl8pPr marL="3200400" indent="0" algn="ctr">
               <a:buNone/>
               <a:defRPr>
                 <a:solidFill>
@@ -277,7 +279,7 @@
                 </a:solidFill>
               </a:defRPr>
             </a:lvl8pPr>
-            <a:lvl9pPr marL="2743200" indent="0" algn="ctr">
+            <a:lvl9pPr marL="3657600" indent="0" algn="ctr">
               <a:buNone/>
               <a:defRPr>
                 <a:solidFill>
@@ -290,9 +292,10 @@
           </a:lstStyle>
           <a:p>
             <a:r>
-              <a:rPr lang="en-US"/>
+              <a:rPr lang="en-US" smtClean="0"/>
               <a:t>Click to edit Master subtitle style</a:t>
             </a:r>
+            <a:endParaRPr lang="en-US"/>
           </a:p>
         </p:txBody>
       </p:sp>
@@ -313,7 +316,7 @@
           <a:p>
             <a:fld id="{241EB5C9-1307-BA42-ABA2-0BC069CD8E7F}" type="datetimeFigureOut">
               <a:rPr lang="en-US" smtClean="0"/>
-              <a:t>1/2/22</a:t>
+              <a:t>4/5/2019</a:t>
             </a:fld>
             <a:endParaRPr lang="en-US"/>
           </a:p>
@@ -407,9 +410,10 @@
           <a:lstStyle/>
           <a:p>
             <a:r>
-              <a:rPr lang="en-US"/>
+              <a:rPr lang="en-US" smtClean="0"/>
               <a:t>Click to edit Master title style</a:t>
             </a:r>
+            <a:endParaRPr lang="en-US"/>
           </a:p>
         </p:txBody>
       </p:sp>
@@ -430,37 +434,38 @@
           <a:p>
             <a:pPr lvl="0"/>
             <a:r>
-              <a:rPr lang="en-US"/>
+              <a:rPr lang="en-US" smtClean="0"/>
               <a:t>Click to edit Master text styles</a:t>
             </a:r>
           </a:p>
           <a:p>
             <a:pPr lvl="1"/>
             <a:r>
-              <a:rPr lang="en-US"/>
+              <a:rPr lang="en-US" smtClean="0"/>
               <a:t>Second level</a:t>
             </a:r>
           </a:p>
           <a:p>
             <a:pPr lvl="2"/>
             <a:r>
-              <a:rPr lang="en-US"/>
+              <a:rPr lang="en-US" smtClean="0"/>
               <a:t>Third level</a:t>
             </a:r>
           </a:p>
           <a:p>
             <a:pPr lvl="3"/>
             <a:r>
-              <a:rPr lang="en-US"/>
+              <a:rPr lang="en-US" smtClean="0"/>
               <a:t>Fourth level</a:t>
             </a:r>
           </a:p>
           <a:p>
             <a:pPr lvl="4"/>
             <a:r>
-              <a:rPr lang="en-US"/>
+              <a:rPr lang="en-US" smtClean="0"/>
               <a:t>Fifth level</a:t>
             </a:r>
+            <a:endParaRPr lang="en-US"/>
           </a:p>
         </p:txBody>
       </p:sp>
@@ -481,7 +486,7 @@
           <a:p>
             <a:fld id="{241EB5C9-1307-BA42-ABA2-0BC069CD8E7F}" type="datetimeFigureOut">
               <a:rPr lang="en-US" smtClean="0"/>
-              <a:t>1/2/22</a:t>
+              <a:t>4/5/2019</a:t>
             </a:fld>
             <a:endParaRPr lang="en-US"/>
           </a:p>
@@ -571,8 +576,8 @@
         </p:nvSpPr>
         <p:spPr>
           <a:xfrm>
-            <a:off x="6629400" y="205979"/>
-            <a:ext cx="2057400" cy="4388644"/>
+            <a:off x="6629400" y="274638"/>
+            <a:ext cx="2057400" cy="5851525"/>
           </a:xfrm>
         </p:spPr>
         <p:txBody>
@@ -580,9 +585,10 @@
           <a:lstStyle/>
           <a:p>
             <a:r>
-              <a:rPr lang="en-US"/>
+              <a:rPr lang="en-US" smtClean="0"/>
               <a:t>Click to edit Master title style</a:t>
             </a:r>
+            <a:endParaRPr lang="en-US"/>
           </a:p>
         </p:txBody>
       </p:sp>
@@ -598,8 +604,8 @@
         </p:nvSpPr>
         <p:spPr>
           <a:xfrm>
-            <a:off x="457200" y="205979"/>
-            <a:ext cx="6019800" cy="4388644"/>
+            <a:off x="457200" y="274638"/>
+            <a:ext cx="6019800" cy="5851525"/>
           </a:xfrm>
         </p:spPr>
         <p:txBody>
@@ -608,37 +614,38 @@
           <a:p>
             <a:pPr lvl="0"/>
             <a:r>
-              <a:rPr lang="en-US"/>
+              <a:rPr lang="en-US" smtClean="0"/>
               <a:t>Click to edit Master text styles</a:t>
             </a:r>
           </a:p>
           <a:p>
             <a:pPr lvl="1"/>
             <a:r>
-              <a:rPr lang="en-US"/>
+              <a:rPr lang="en-US" smtClean="0"/>
               <a:t>Second level</a:t>
             </a:r>
           </a:p>
           <a:p>
             <a:pPr lvl="2"/>
             <a:r>
-              <a:rPr lang="en-US"/>
+              <a:rPr lang="en-US" smtClean="0"/>
               <a:t>Third level</a:t>
             </a:r>
           </a:p>
           <a:p>
             <a:pPr lvl="3"/>
             <a:r>
-              <a:rPr lang="en-US"/>
+              <a:rPr lang="en-US" smtClean="0"/>
               <a:t>Fourth level</a:t>
             </a:r>
           </a:p>
           <a:p>
             <a:pPr lvl="4"/>
             <a:r>
-              <a:rPr lang="en-US"/>
+              <a:rPr lang="en-US" smtClean="0"/>
               <a:t>Fifth level</a:t>
             </a:r>
+            <a:endParaRPr lang="en-US"/>
           </a:p>
         </p:txBody>
       </p:sp>
@@ -659,7 +666,7 @@
           <a:p>
             <a:fld id="{241EB5C9-1307-BA42-ABA2-0BC069CD8E7F}" type="datetimeFigureOut">
               <a:rPr lang="en-US" smtClean="0"/>
-              <a:t>1/2/22</a:t>
+              <a:t>4/5/2019</a:t>
             </a:fld>
             <a:endParaRPr lang="en-US"/>
           </a:p>
@@ -753,9 +760,10 @@
           <a:lstStyle/>
           <a:p>
             <a:r>
-              <a:rPr lang="en-US"/>
+              <a:rPr lang="en-US" smtClean="0"/>
               <a:t>Click to edit Master title style</a:t>
             </a:r>
+            <a:endParaRPr lang="en-US"/>
           </a:p>
         </p:txBody>
       </p:sp>
@@ -776,37 +784,38 @@
           <a:p>
             <a:pPr lvl="0"/>
             <a:r>
-              <a:rPr lang="en-US"/>
+              <a:rPr lang="en-US" smtClean="0"/>
               <a:t>Click to edit Master text styles</a:t>
             </a:r>
           </a:p>
           <a:p>
             <a:pPr lvl="1"/>
             <a:r>
-              <a:rPr lang="en-US"/>
+              <a:rPr lang="en-US" smtClean="0"/>
               <a:t>Second level</a:t>
             </a:r>
           </a:p>
           <a:p>
             <a:pPr lvl="2"/>
             <a:r>
-              <a:rPr lang="en-US"/>
+              <a:rPr lang="en-US" smtClean="0"/>
               <a:t>Third level</a:t>
             </a:r>
           </a:p>
           <a:p>
             <a:pPr lvl="3"/>
             <a:r>
-              <a:rPr lang="en-US"/>
+              <a:rPr lang="en-US" smtClean="0"/>
               <a:t>Fourth level</a:t>
             </a:r>
           </a:p>
           <a:p>
             <a:pPr lvl="4"/>
             <a:r>
-              <a:rPr lang="en-US"/>
+              <a:rPr lang="en-US" smtClean="0"/>
               <a:t>Fifth level</a:t>
             </a:r>
+            <a:endParaRPr lang="en-US"/>
           </a:p>
         </p:txBody>
       </p:sp>
@@ -827,7 +836,7 @@
           <a:p>
             <a:fld id="{241EB5C9-1307-BA42-ABA2-0BC069CD8E7F}" type="datetimeFigureOut">
               <a:rPr lang="en-US" smtClean="0"/>
-              <a:t>1/2/22</a:t>
+              <a:t>4/5/2019</a:t>
             </a:fld>
             <a:endParaRPr lang="en-US"/>
           </a:p>
@@ -917,22 +926,23 @@
         </p:nvSpPr>
         <p:spPr>
           <a:xfrm>
-            <a:off x="722313" y="3305176"/>
-            <a:ext cx="7772400" cy="1021556"/>
+            <a:off x="722313" y="4406900"/>
+            <a:ext cx="7772400" cy="1362075"/>
           </a:xfrm>
         </p:spPr>
         <p:txBody>
           <a:bodyPr anchor="t"/>
           <a:lstStyle>
             <a:lvl1pPr algn="l">
-              <a:defRPr sz="3000" b="1" cap="all"/>
+              <a:defRPr sz="4000" b="1" cap="all"/>
             </a:lvl1pPr>
           </a:lstStyle>
           <a:p>
             <a:r>
-              <a:rPr lang="en-US"/>
+              <a:rPr lang="en-US" smtClean="0"/>
               <a:t>Click to edit Master title style</a:t>
             </a:r>
+            <a:endParaRPr lang="en-US"/>
           </a:p>
         </p:txBody>
       </p:sp>
@@ -948,8 +958,8 @@
         </p:nvSpPr>
         <p:spPr>
           <a:xfrm>
-            <a:off x="722313" y="2180035"/>
-            <a:ext cx="7772400" cy="1125140"/>
+            <a:off x="722313" y="2906713"/>
+            <a:ext cx="7772400" cy="1500187"/>
           </a:xfrm>
         </p:spPr>
         <p:txBody>
@@ -957,7 +967,7 @@
           <a:lstStyle>
             <a:lvl1pPr marL="0" indent="0">
               <a:buNone/>
-              <a:defRPr sz="1500">
+              <a:defRPr sz="2000">
                 <a:solidFill>
                   <a:schemeClr val="tx1">
                     <a:tint val="75000"/>
@@ -965,9 +975,9 @@
                 </a:solidFill>
               </a:defRPr>
             </a:lvl1pPr>
-            <a:lvl2pPr marL="342900" indent="0">
-              <a:buNone/>
-              <a:defRPr sz="1350">
+            <a:lvl2pPr marL="457200" indent="0">
+              <a:buNone/>
+              <a:defRPr sz="1800">
                 <a:solidFill>
                   <a:schemeClr val="tx1">
                     <a:tint val="75000"/>
@@ -975,9 +985,9 @@
                 </a:solidFill>
               </a:defRPr>
             </a:lvl2pPr>
-            <a:lvl3pPr marL="685800" indent="0">
-              <a:buNone/>
-              <a:defRPr sz="1200">
+            <a:lvl3pPr marL="914400" indent="0">
+              <a:buNone/>
+              <a:defRPr sz="1600">
                 <a:solidFill>
                   <a:schemeClr val="tx1">
                     <a:tint val="75000"/>
@@ -985,9 +995,9 @@
                 </a:solidFill>
               </a:defRPr>
             </a:lvl3pPr>
-            <a:lvl4pPr marL="1028700" indent="0">
-              <a:buNone/>
-              <a:defRPr sz="1050">
+            <a:lvl4pPr marL="1371600" indent="0">
+              <a:buNone/>
+              <a:defRPr sz="1400">
                 <a:solidFill>
                   <a:schemeClr val="tx1">
                     <a:tint val="75000"/>
@@ -995,9 +1005,9 @@
                 </a:solidFill>
               </a:defRPr>
             </a:lvl4pPr>
-            <a:lvl5pPr marL="1371600" indent="0">
-              <a:buNone/>
-              <a:defRPr sz="1050">
+            <a:lvl5pPr marL="1828800" indent="0">
+              <a:buNone/>
+              <a:defRPr sz="1400">
                 <a:solidFill>
                   <a:schemeClr val="tx1">
                     <a:tint val="75000"/>
@@ -1005,9 +1015,9 @@
                 </a:solidFill>
               </a:defRPr>
             </a:lvl5pPr>
-            <a:lvl6pPr marL="1714500" indent="0">
-              <a:buNone/>
-              <a:defRPr sz="1050">
+            <a:lvl6pPr marL="2286000" indent="0">
+              <a:buNone/>
+              <a:defRPr sz="1400">
                 <a:solidFill>
                   <a:schemeClr val="tx1">
                     <a:tint val="75000"/>
@@ -1015,9 +1025,9 @@
                 </a:solidFill>
               </a:defRPr>
             </a:lvl6pPr>
-            <a:lvl7pPr marL="2057400" indent="0">
-              <a:buNone/>
-              <a:defRPr sz="1050">
+            <a:lvl7pPr marL="2743200" indent="0">
+              <a:buNone/>
+              <a:defRPr sz="1400">
                 <a:solidFill>
                   <a:schemeClr val="tx1">
                     <a:tint val="75000"/>
@@ -1025,9 +1035,9 @@
                 </a:solidFill>
               </a:defRPr>
             </a:lvl7pPr>
-            <a:lvl8pPr marL="2400300" indent="0">
-              <a:buNone/>
-              <a:defRPr sz="1050">
+            <a:lvl8pPr marL="3200400" indent="0">
+              <a:buNone/>
+              <a:defRPr sz="1400">
                 <a:solidFill>
                   <a:schemeClr val="tx1">
                     <a:tint val="75000"/>
@@ -1035,9 +1045,9 @@
                 </a:solidFill>
               </a:defRPr>
             </a:lvl8pPr>
-            <a:lvl9pPr marL="2743200" indent="0">
-              <a:buNone/>
-              <a:defRPr sz="1050">
+            <a:lvl9pPr marL="3657600" indent="0">
+              <a:buNone/>
+              <a:defRPr sz="1400">
                 <a:solidFill>
                   <a:schemeClr val="tx1">
                     <a:tint val="75000"/>
@@ -1049,7 +1059,7 @@
           <a:p>
             <a:pPr lvl="0"/>
             <a:r>
-              <a:rPr lang="en-US"/>
+              <a:rPr lang="en-US" smtClean="0"/>
               <a:t>Click to edit Master text styles</a:t>
             </a:r>
           </a:p>
@@ -1072,7 +1082,7 @@
           <a:p>
             <a:fld id="{241EB5C9-1307-BA42-ABA2-0BC069CD8E7F}" type="datetimeFigureOut">
               <a:rPr lang="en-US" smtClean="0"/>
-              <a:t>1/2/22</a:t>
+              <a:t>4/5/2019</a:t>
             </a:fld>
             <a:endParaRPr lang="en-US"/>
           </a:p>
@@ -1166,9 +1176,10 @@
           <a:lstStyle/>
           <a:p>
             <a:r>
-              <a:rPr lang="en-US"/>
+              <a:rPr lang="en-US" smtClean="0"/>
               <a:t>Click to edit Master title style</a:t>
             </a:r>
+            <a:endParaRPr lang="en-US"/>
           </a:p>
         </p:txBody>
       </p:sp>
@@ -1184,75 +1195,76 @@
         </p:nvSpPr>
         <p:spPr>
           <a:xfrm>
-            <a:off x="457200" y="1200151"/>
-            <a:ext cx="4038600" cy="3394472"/>
+            <a:off x="457200" y="1600200"/>
+            <a:ext cx="4038600" cy="4525963"/>
           </a:xfrm>
         </p:spPr>
         <p:txBody>
           <a:bodyPr/>
           <a:lstStyle>
             <a:lvl1pPr>
-              <a:defRPr sz="2100"/>
+              <a:defRPr sz="2800"/>
             </a:lvl1pPr>
             <a:lvl2pPr>
-              <a:defRPr sz="1800"/>
+              <a:defRPr sz="2400"/>
             </a:lvl2pPr>
             <a:lvl3pPr>
-              <a:defRPr sz="1500"/>
+              <a:defRPr sz="2000"/>
             </a:lvl3pPr>
             <a:lvl4pPr>
-              <a:defRPr sz="1350"/>
+              <a:defRPr sz="1800"/>
             </a:lvl4pPr>
             <a:lvl5pPr>
-              <a:defRPr sz="1350"/>
+              <a:defRPr sz="1800"/>
             </a:lvl5pPr>
             <a:lvl6pPr>
-              <a:defRPr sz="1350"/>
+              <a:defRPr sz="1800"/>
             </a:lvl6pPr>
             <a:lvl7pPr>
-              <a:defRPr sz="1350"/>
+              <a:defRPr sz="1800"/>
             </a:lvl7pPr>
             <a:lvl8pPr>
-              <a:defRPr sz="1350"/>
+              <a:defRPr sz="1800"/>
             </a:lvl8pPr>
             <a:lvl9pPr>
-              <a:defRPr sz="1350"/>
+              <a:defRPr sz="1800"/>
             </a:lvl9pPr>
           </a:lstStyle>
           <a:p>
             <a:pPr lvl="0"/>
             <a:r>
-              <a:rPr lang="en-US"/>
+              <a:rPr lang="en-US" smtClean="0"/>
               <a:t>Click to edit Master text styles</a:t>
             </a:r>
           </a:p>
           <a:p>
             <a:pPr lvl="1"/>
             <a:r>
-              <a:rPr lang="en-US"/>
+              <a:rPr lang="en-US" smtClean="0"/>
               <a:t>Second level</a:t>
             </a:r>
           </a:p>
           <a:p>
             <a:pPr lvl="2"/>
             <a:r>
-              <a:rPr lang="en-US"/>
+              <a:rPr lang="en-US" smtClean="0"/>
               <a:t>Third level</a:t>
             </a:r>
           </a:p>
           <a:p>
             <a:pPr lvl="3"/>
             <a:r>
-              <a:rPr lang="en-US"/>
+              <a:rPr lang="en-US" smtClean="0"/>
               <a:t>Fourth level</a:t>
             </a:r>
           </a:p>
           <a:p>
             <a:pPr lvl="4"/>
             <a:r>
-              <a:rPr lang="en-US"/>
+              <a:rPr lang="en-US" smtClean="0"/>
               <a:t>Fifth level</a:t>
             </a:r>
+            <a:endParaRPr lang="en-US"/>
           </a:p>
         </p:txBody>
       </p:sp>
@@ -1268,75 +1280,76 @@
         </p:nvSpPr>
         <p:spPr>
           <a:xfrm>
-            <a:off x="4648200" y="1200151"/>
-            <a:ext cx="4038600" cy="3394472"/>
+            <a:off x="4648200" y="1600200"/>
+            <a:ext cx="4038600" cy="4525963"/>
           </a:xfrm>
         </p:spPr>
         <p:txBody>
           <a:bodyPr/>
           <a:lstStyle>
             <a:lvl1pPr>
-              <a:defRPr sz="2100"/>
+              <a:defRPr sz="2800"/>
             </a:lvl1pPr>
             <a:lvl2pPr>
-              <a:defRPr sz="1800"/>
+              <a:defRPr sz="2400"/>
             </a:lvl2pPr>
             <a:lvl3pPr>
-              <a:defRPr sz="1500"/>
+              <a:defRPr sz="2000"/>
             </a:lvl3pPr>
             <a:lvl4pPr>
-              <a:defRPr sz="1350"/>
+              <a:defRPr sz="1800"/>
             </a:lvl4pPr>
             <a:lvl5pPr>
-              <a:defRPr sz="1350"/>
+              <a:defRPr sz="1800"/>
             </a:lvl5pPr>
             <a:lvl6pPr>
-              <a:defRPr sz="1350"/>
+              <a:defRPr sz="1800"/>
             </a:lvl6pPr>
             <a:lvl7pPr>
-              <a:defRPr sz="1350"/>
+              <a:defRPr sz="1800"/>
             </a:lvl7pPr>
             <a:lvl8pPr>
-              <a:defRPr sz="1350"/>
+              <a:defRPr sz="1800"/>
             </a:lvl8pPr>
             <a:lvl9pPr>
-              <a:defRPr sz="1350"/>
+              <a:defRPr sz="1800"/>
             </a:lvl9pPr>
           </a:lstStyle>
           <a:p>
             <a:pPr lvl="0"/>
             <a:r>
-              <a:rPr lang="en-US"/>
+              <a:rPr lang="en-US" smtClean="0"/>
               <a:t>Click to edit Master text styles</a:t>
             </a:r>
           </a:p>
           <a:p>
             <a:pPr lvl="1"/>
             <a:r>
-              <a:rPr lang="en-US"/>
+              <a:rPr lang="en-US" smtClean="0"/>
               <a:t>Second level</a:t>
             </a:r>
           </a:p>
           <a:p>
             <a:pPr lvl="2"/>
             <a:r>
-              <a:rPr lang="en-US"/>
+              <a:rPr lang="en-US" smtClean="0"/>
               <a:t>Third level</a:t>
             </a:r>
           </a:p>
           <a:p>
             <a:pPr lvl="3"/>
             <a:r>
-              <a:rPr lang="en-US"/>
+              <a:rPr lang="en-US" smtClean="0"/>
               <a:t>Fourth level</a:t>
             </a:r>
           </a:p>
           <a:p>
             <a:pPr lvl="4"/>
             <a:r>
-              <a:rPr lang="en-US"/>
+              <a:rPr lang="en-US" smtClean="0"/>
               <a:t>Fifth level</a:t>
             </a:r>
+            <a:endParaRPr lang="en-US"/>
           </a:p>
         </p:txBody>
       </p:sp>
@@ -1357,7 +1370,7 @@
           <a:p>
             <a:fld id="{241EB5C9-1307-BA42-ABA2-0BC069CD8E7F}" type="datetimeFigureOut">
               <a:rPr lang="en-US" smtClean="0"/>
-              <a:t>1/2/22</a:t>
+              <a:t>4/5/2019</a:t>
             </a:fld>
             <a:endParaRPr lang="en-US"/>
           </a:p>
@@ -1455,9 +1468,10 @@
           </a:lstStyle>
           <a:p>
             <a:r>
-              <a:rPr lang="en-US"/>
+              <a:rPr lang="en-US" smtClean="0"/>
               <a:t>Click to edit Master title style</a:t>
             </a:r>
+            <a:endParaRPr lang="en-US"/>
           </a:p>
         </p:txBody>
       </p:sp>
@@ -1473,8 +1487,8 @@
         </p:nvSpPr>
         <p:spPr>
           <a:xfrm>
-            <a:off x="457200" y="1151335"/>
-            <a:ext cx="4040188" cy="479822"/>
+            <a:off x="457200" y="1535113"/>
+            <a:ext cx="4040188" cy="639762"/>
           </a:xfrm>
         </p:spPr>
         <p:txBody>
@@ -1482,45 +1496,45 @@
           <a:lstStyle>
             <a:lvl1pPr marL="0" indent="0">
               <a:buNone/>
+              <a:defRPr sz="2400" b="1"/>
+            </a:lvl1pPr>
+            <a:lvl2pPr marL="457200" indent="0">
+              <a:buNone/>
+              <a:defRPr sz="2000" b="1"/>
+            </a:lvl2pPr>
+            <a:lvl3pPr marL="914400" indent="0">
+              <a:buNone/>
               <a:defRPr sz="1800" b="1"/>
-            </a:lvl1pPr>
-            <a:lvl2pPr marL="342900" indent="0">
-              <a:buNone/>
-              <a:defRPr sz="1500" b="1"/>
-            </a:lvl2pPr>
-            <a:lvl3pPr marL="685800" indent="0">
-              <a:buNone/>
-              <a:defRPr sz="1350" b="1"/>
             </a:lvl3pPr>
-            <a:lvl4pPr marL="1028700" indent="0">
-              <a:buNone/>
-              <a:defRPr sz="1200" b="1"/>
+            <a:lvl4pPr marL="1371600" indent="0">
+              <a:buNone/>
+              <a:defRPr sz="1600" b="1"/>
             </a:lvl4pPr>
-            <a:lvl5pPr marL="1371600" indent="0">
-              <a:buNone/>
-              <a:defRPr sz="1200" b="1"/>
+            <a:lvl5pPr marL="1828800" indent="0">
+              <a:buNone/>
+              <a:defRPr sz="1600" b="1"/>
             </a:lvl5pPr>
-            <a:lvl6pPr marL="1714500" indent="0">
-              <a:buNone/>
-              <a:defRPr sz="1200" b="1"/>
+            <a:lvl6pPr marL="2286000" indent="0">
+              <a:buNone/>
+              <a:defRPr sz="1600" b="1"/>
             </a:lvl6pPr>
-            <a:lvl7pPr marL="2057400" indent="0">
-              <a:buNone/>
-              <a:defRPr sz="1200" b="1"/>
+            <a:lvl7pPr marL="2743200" indent="0">
+              <a:buNone/>
+              <a:defRPr sz="1600" b="1"/>
             </a:lvl7pPr>
-            <a:lvl8pPr marL="2400300" indent="0">
-              <a:buNone/>
-              <a:defRPr sz="1200" b="1"/>
+            <a:lvl8pPr marL="3200400" indent="0">
+              <a:buNone/>
+              <a:defRPr sz="1600" b="1"/>
             </a:lvl8pPr>
-            <a:lvl9pPr marL="2743200" indent="0">
-              <a:buNone/>
-              <a:defRPr sz="1200" b="1"/>
+            <a:lvl9pPr marL="3657600" indent="0">
+              <a:buNone/>
+              <a:defRPr sz="1600" b="1"/>
             </a:lvl9pPr>
           </a:lstStyle>
           <a:p>
             <a:pPr lvl="0"/>
             <a:r>
-              <a:rPr lang="en-US"/>
+              <a:rPr lang="en-US" smtClean="0"/>
               <a:t>Click to edit Master text styles</a:t>
             </a:r>
           </a:p>
@@ -1538,75 +1552,76 @@
         </p:nvSpPr>
         <p:spPr>
           <a:xfrm>
-            <a:off x="457200" y="1631156"/>
-            <a:ext cx="4040188" cy="2963466"/>
+            <a:off x="457200" y="2174875"/>
+            <a:ext cx="4040188" cy="3951288"/>
           </a:xfrm>
         </p:spPr>
         <p:txBody>
           <a:bodyPr/>
           <a:lstStyle>
             <a:lvl1pPr>
-              <a:defRPr sz="1800"/>
+              <a:defRPr sz="2400"/>
             </a:lvl1pPr>
             <a:lvl2pPr>
-              <a:defRPr sz="1500"/>
+              <a:defRPr sz="2000"/>
             </a:lvl2pPr>
             <a:lvl3pPr>
-              <a:defRPr sz="1350"/>
+              <a:defRPr sz="1800"/>
             </a:lvl3pPr>
             <a:lvl4pPr>
-              <a:defRPr sz="1200"/>
+              <a:defRPr sz="1600"/>
             </a:lvl4pPr>
             <a:lvl5pPr>
-              <a:defRPr sz="1200"/>
+              <a:defRPr sz="1600"/>
             </a:lvl5pPr>
             <a:lvl6pPr>
-              <a:defRPr sz="1200"/>
+              <a:defRPr sz="1600"/>
             </a:lvl6pPr>
             <a:lvl7pPr>
-              <a:defRPr sz="1200"/>
+              <a:defRPr sz="1600"/>
             </a:lvl7pPr>
             <a:lvl8pPr>
-              <a:defRPr sz="1200"/>
+              <a:defRPr sz="1600"/>
             </a:lvl8pPr>
             <a:lvl9pPr>
-              <a:defRPr sz="1200"/>
+              <a:defRPr sz="1600"/>
             </a:lvl9pPr>
           </a:lstStyle>
           <a:p>
             <a:pPr lvl="0"/>
             <a:r>
-              <a:rPr lang="en-US"/>
+              <a:rPr lang="en-US" smtClean="0"/>
               <a:t>Click to edit Master text styles</a:t>
             </a:r>
           </a:p>
           <a:p>
             <a:pPr lvl="1"/>
             <a:r>
-              <a:rPr lang="en-US"/>
+              <a:rPr lang="en-US" smtClean="0"/>
               <a:t>Second level</a:t>
             </a:r>
           </a:p>
           <a:p>
             <a:pPr lvl="2"/>
             <a:r>
-              <a:rPr lang="en-US"/>
+              <a:rPr lang="en-US" smtClean="0"/>
               <a:t>Third level</a:t>
             </a:r>
           </a:p>
           <a:p>
             <a:pPr lvl="3"/>
             <a:r>
-              <a:rPr lang="en-US"/>
+              <a:rPr lang="en-US" smtClean="0"/>
               <a:t>Fourth level</a:t>
             </a:r>
           </a:p>
           <a:p>
             <a:pPr lvl="4"/>
             <a:r>
-              <a:rPr lang="en-US"/>
+              <a:rPr lang="en-US" smtClean="0"/>
               <a:t>Fifth level</a:t>
             </a:r>
+            <a:endParaRPr lang="en-US"/>
           </a:p>
         </p:txBody>
       </p:sp>
@@ -1622,8 +1637,8 @@
         </p:nvSpPr>
         <p:spPr>
           <a:xfrm>
-            <a:off x="4645026" y="1151335"/>
-            <a:ext cx="4041775" cy="479822"/>
+            <a:off x="4645025" y="1535113"/>
+            <a:ext cx="4041775" cy="639762"/>
           </a:xfrm>
         </p:spPr>
         <p:txBody>
@@ -1631,45 +1646,45 @@
           <a:lstStyle>
             <a:lvl1pPr marL="0" indent="0">
               <a:buNone/>
+              <a:defRPr sz="2400" b="1"/>
+            </a:lvl1pPr>
+            <a:lvl2pPr marL="457200" indent="0">
+              <a:buNone/>
+              <a:defRPr sz="2000" b="1"/>
+            </a:lvl2pPr>
+            <a:lvl3pPr marL="914400" indent="0">
+              <a:buNone/>
               <a:defRPr sz="1800" b="1"/>
-            </a:lvl1pPr>
-            <a:lvl2pPr marL="342900" indent="0">
-              <a:buNone/>
-              <a:defRPr sz="1500" b="1"/>
-            </a:lvl2pPr>
-            <a:lvl3pPr marL="685800" indent="0">
-              <a:buNone/>
-              <a:defRPr sz="1350" b="1"/>
             </a:lvl3pPr>
-            <a:lvl4pPr marL="1028700" indent="0">
-              <a:buNone/>
-              <a:defRPr sz="1200" b="1"/>
+            <a:lvl4pPr marL="1371600" indent="0">
+              <a:buNone/>
+              <a:defRPr sz="1600" b="1"/>
             </a:lvl4pPr>
-            <a:lvl5pPr marL="1371600" indent="0">
-              <a:buNone/>
-              <a:defRPr sz="1200" b="1"/>
+            <a:lvl5pPr marL="1828800" indent="0">
+              <a:buNone/>
+              <a:defRPr sz="1600" b="1"/>
             </a:lvl5pPr>
-            <a:lvl6pPr marL="1714500" indent="0">
-              <a:buNone/>
-              <a:defRPr sz="1200" b="1"/>
+            <a:lvl6pPr marL="2286000" indent="0">
+              <a:buNone/>
+              <a:defRPr sz="1600" b="1"/>
             </a:lvl6pPr>
-            <a:lvl7pPr marL="2057400" indent="0">
-              <a:buNone/>
-              <a:defRPr sz="1200" b="1"/>
+            <a:lvl7pPr marL="2743200" indent="0">
+              <a:buNone/>
+              <a:defRPr sz="1600" b="1"/>
             </a:lvl7pPr>
-            <a:lvl8pPr marL="2400300" indent="0">
-              <a:buNone/>
-              <a:defRPr sz="1200" b="1"/>
+            <a:lvl8pPr marL="3200400" indent="0">
+              <a:buNone/>
+              <a:defRPr sz="1600" b="1"/>
             </a:lvl8pPr>
-            <a:lvl9pPr marL="2743200" indent="0">
-              <a:buNone/>
-              <a:defRPr sz="1200" b="1"/>
+            <a:lvl9pPr marL="3657600" indent="0">
+              <a:buNone/>
+              <a:defRPr sz="1600" b="1"/>
             </a:lvl9pPr>
           </a:lstStyle>
           <a:p>
             <a:pPr lvl="0"/>
             <a:r>
-              <a:rPr lang="en-US"/>
+              <a:rPr lang="en-US" smtClean="0"/>
               <a:t>Click to edit Master text styles</a:t>
             </a:r>
           </a:p>
@@ -1687,75 +1702,76 @@
         </p:nvSpPr>
         <p:spPr>
           <a:xfrm>
-            <a:off x="4645026" y="1631156"/>
-            <a:ext cx="4041775" cy="2963466"/>
+            <a:off x="4645025" y="2174875"/>
+            <a:ext cx="4041775" cy="3951288"/>
           </a:xfrm>
         </p:spPr>
         <p:txBody>
           <a:bodyPr/>
           <a:lstStyle>
             <a:lvl1pPr>
-              <a:defRPr sz="1800"/>
+              <a:defRPr sz="2400"/>
             </a:lvl1pPr>
             <a:lvl2pPr>
-              <a:defRPr sz="1500"/>
+              <a:defRPr sz="2000"/>
             </a:lvl2pPr>
             <a:lvl3pPr>
-              <a:defRPr sz="1350"/>
+              <a:defRPr sz="1800"/>
             </a:lvl3pPr>
             <a:lvl4pPr>
-              <a:defRPr sz="1200"/>
+              <a:defRPr sz="1600"/>
             </a:lvl4pPr>
             <a:lvl5pPr>
-              <a:defRPr sz="1200"/>
+              <a:defRPr sz="1600"/>
             </a:lvl5pPr>
             <a:lvl6pPr>
-              <a:defRPr sz="1200"/>
+              <a:defRPr sz="1600"/>
             </a:lvl6pPr>
             <a:lvl7pPr>
-              <a:defRPr sz="1200"/>
+              <a:defRPr sz="1600"/>
             </a:lvl7pPr>
             <a:lvl8pPr>
-              <a:defRPr sz="1200"/>
+              <a:defRPr sz="1600"/>
             </a:lvl8pPr>
             <a:lvl9pPr>
-              <a:defRPr sz="1200"/>
+              <a:defRPr sz="1600"/>
             </a:lvl9pPr>
           </a:lstStyle>
           <a:p>
             <a:pPr lvl="0"/>
             <a:r>
-              <a:rPr lang="en-US"/>
+              <a:rPr lang="en-US" smtClean="0"/>
               <a:t>Click to edit Master text styles</a:t>
             </a:r>
           </a:p>
           <a:p>
             <a:pPr lvl="1"/>
             <a:r>
-              <a:rPr lang="en-US"/>
+              <a:rPr lang="en-US" smtClean="0"/>
               <a:t>Second level</a:t>
             </a:r>
           </a:p>
           <a:p>
             <a:pPr lvl="2"/>
             <a:r>
-              <a:rPr lang="en-US"/>
+              <a:rPr lang="en-US" smtClean="0"/>
               <a:t>Third level</a:t>
             </a:r>
           </a:p>
           <a:p>
             <a:pPr lvl="3"/>
             <a:r>
-              <a:rPr lang="en-US"/>
+              <a:rPr lang="en-US" smtClean="0"/>
               <a:t>Fourth level</a:t>
             </a:r>
           </a:p>
           <a:p>
             <a:pPr lvl="4"/>
             <a:r>
-              <a:rPr lang="en-US"/>
+              <a:rPr lang="en-US" smtClean="0"/>
               <a:t>Fifth level</a:t>
             </a:r>
+            <a:endParaRPr lang="en-US"/>
           </a:p>
         </p:txBody>
       </p:sp>
@@ -1776,7 +1792,7 @@
           <a:p>
             <a:fld id="{241EB5C9-1307-BA42-ABA2-0BC069CD8E7F}" type="datetimeFigureOut">
               <a:rPr lang="en-US" smtClean="0"/>
-              <a:t>1/2/22</a:t>
+              <a:t>4/5/2019</a:t>
             </a:fld>
             <a:endParaRPr lang="en-US"/>
           </a:p>
@@ -1870,9 +1886,10 @@
           <a:lstStyle/>
           <a:p>
             <a:r>
-              <a:rPr lang="en-US"/>
+              <a:rPr lang="en-US" smtClean="0"/>
               <a:t>Click to edit Master title style</a:t>
             </a:r>
+            <a:endParaRPr lang="en-US"/>
           </a:p>
         </p:txBody>
       </p:sp>
@@ -1893,7 +1910,7 @@
           <a:p>
             <a:fld id="{241EB5C9-1307-BA42-ABA2-0BC069CD8E7F}" type="datetimeFigureOut">
               <a:rPr lang="en-US" smtClean="0"/>
-              <a:t>1/2/22</a:t>
+              <a:t>4/5/2019</a:t>
             </a:fld>
             <a:endParaRPr lang="en-US"/>
           </a:p>
@@ -1988,7 +2005,7 @@
           <a:p>
             <a:fld id="{241EB5C9-1307-BA42-ABA2-0BC069CD8E7F}" type="datetimeFigureOut">
               <a:rPr lang="en-US" smtClean="0"/>
-              <a:t>1/2/22</a:t>
+              <a:t>4/5/2019</a:t>
             </a:fld>
             <a:endParaRPr lang="en-US"/>
           </a:p>
@@ -2078,22 +2095,23 @@
         </p:nvSpPr>
         <p:spPr>
           <a:xfrm>
-            <a:off x="457201" y="204787"/>
-            <a:ext cx="3008313" cy="871538"/>
+            <a:off x="457200" y="273050"/>
+            <a:ext cx="3008313" cy="1162050"/>
           </a:xfrm>
         </p:spPr>
         <p:txBody>
           <a:bodyPr anchor="b"/>
           <a:lstStyle>
             <a:lvl1pPr algn="l">
-              <a:defRPr sz="1500" b="1"/>
+              <a:defRPr sz="2000" b="1"/>
             </a:lvl1pPr>
           </a:lstStyle>
           <a:p>
             <a:r>
-              <a:rPr lang="en-US"/>
+              <a:rPr lang="en-US" smtClean="0"/>
               <a:t>Click to edit Master title style</a:t>
             </a:r>
+            <a:endParaRPr lang="en-US"/>
           </a:p>
         </p:txBody>
       </p:sp>
@@ -2109,75 +2127,76 @@
         </p:nvSpPr>
         <p:spPr>
           <a:xfrm>
-            <a:off x="3575050" y="204788"/>
-            <a:ext cx="5111750" cy="4389835"/>
+            <a:off x="3575050" y="273050"/>
+            <a:ext cx="5111750" cy="5853113"/>
           </a:xfrm>
         </p:spPr>
         <p:txBody>
           <a:bodyPr/>
           <a:lstStyle>
             <a:lvl1pPr>
-              <a:defRPr sz="2400"/>
+              <a:defRPr sz="3200"/>
             </a:lvl1pPr>
             <a:lvl2pPr>
-              <a:defRPr sz="2100"/>
+              <a:defRPr sz="2800"/>
             </a:lvl2pPr>
             <a:lvl3pPr>
-              <a:defRPr sz="1800"/>
+              <a:defRPr sz="2400"/>
             </a:lvl3pPr>
             <a:lvl4pPr>
-              <a:defRPr sz="1500"/>
+              <a:defRPr sz="2000"/>
             </a:lvl4pPr>
             <a:lvl5pPr>
-              <a:defRPr sz="1500"/>
+              <a:defRPr sz="2000"/>
             </a:lvl5pPr>
             <a:lvl6pPr>
-              <a:defRPr sz="1500"/>
+              <a:defRPr sz="2000"/>
             </a:lvl6pPr>
             <a:lvl7pPr>
-              <a:defRPr sz="1500"/>
+              <a:defRPr sz="2000"/>
             </a:lvl7pPr>
             <a:lvl8pPr>
-              <a:defRPr sz="1500"/>
+              <a:defRPr sz="2000"/>
             </a:lvl8pPr>
             <a:lvl9pPr>
-              <a:defRPr sz="1500"/>
+              <a:defRPr sz="2000"/>
             </a:lvl9pPr>
           </a:lstStyle>
           <a:p>
             <a:pPr lvl="0"/>
             <a:r>
-              <a:rPr lang="en-US"/>
+              <a:rPr lang="en-US" smtClean="0"/>
               <a:t>Click to edit Master text styles</a:t>
             </a:r>
           </a:p>
           <a:p>
             <a:pPr lvl="1"/>
             <a:r>
-              <a:rPr lang="en-US"/>
+              <a:rPr lang="en-US" smtClean="0"/>
               <a:t>Second level</a:t>
             </a:r>
           </a:p>
           <a:p>
             <a:pPr lvl="2"/>
             <a:r>
-              <a:rPr lang="en-US"/>
+              <a:rPr lang="en-US" smtClean="0"/>
               <a:t>Third level</a:t>
             </a:r>
           </a:p>
           <a:p>
             <a:pPr lvl="3"/>
             <a:r>
-              <a:rPr lang="en-US"/>
+              <a:rPr lang="en-US" smtClean="0"/>
               <a:t>Fourth level</a:t>
             </a:r>
           </a:p>
           <a:p>
             <a:pPr lvl="4"/>
             <a:r>
-              <a:rPr lang="en-US"/>
+              <a:rPr lang="en-US" smtClean="0"/>
               <a:t>Fifth level</a:t>
             </a:r>
+            <a:endParaRPr lang="en-US"/>
           </a:p>
         </p:txBody>
       </p:sp>
@@ -2193,8 +2212,8 @@
         </p:nvSpPr>
         <p:spPr>
           <a:xfrm>
-            <a:off x="457201" y="1076326"/>
-            <a:ext cx="3008313" cy="3518297"/>
+            <a:off x="457200" y="1435100"/>
+            <a:ext cx="3008313" cy="4691063"/>
           </a:xfrm>
         </p:spPr>
         <p:txBody>
@@ -2202,45 +2221,45 @@
           <a:lstStyle>
             <a:lvl1pPr marL="0" indent="0">
               <a:buNone/>
-              <a:defRPr sz="1050"/>
+              <a:defRPr sz="1400"/>
             </a:lvl1pPr>
-            <a:lvl2pPr marL="342900" indent="0">
+            <a:lvl2pPr marL="457200" indent="0">
+              <a:buNone/>
+              <a:defRPr sz="1200"/>
+            </a:lvl2pPr>
+            <a:lvl3pPr marL="914400" indent="0">
+              <a:buNone/>
+              <a:defRPr sz="1000"/>
+            </a:lvl3pPr>
+            <a:lvl4pPr marL="1371600" indent="0">
               <a:buNone/>
               <a:defRPr sz="900"/>
-            </a:lvl2pPr>
-            <a:lvl3pPr marL="685800" indent="0">
-              <a:buNone/>
-              <a:defRPr sz="750"/>
-            </a:lvl3pPr>
-            <a:lvl4pPr marL="1028700" indent="0">
-              <a:buNone/>
-              <a:defRPr sz="675"/>
             </a:lvl4pPr>
-            <a:lvl5pPr marL="1371600" indent="0">
-              <a:buNone/>
-              <a:defRPr sz="675"/>
+            <a:lvl5pPr marL="1828800" indent="0">
+              <a:buNone/>
+              <a:defRPr sz="900"/>
             </a:lvl5pPr>
-            <a:lvl6pPr marL="1714500" indent="0">
-              <a:buNone/>
-              <a:defRPr sz="675"/>
+            <a:lvl6pPr marL="2286000" indent="0">
+              <a:buNone/>
+              <a:defRPr sz="900"/>
             </a:lvl6pPr>
-            <a:lvl7pPr marL="2057400" indent="0">
-              <a:buNone/>
-              <a:defRPr sz="675"/>
+            <a:lvl7pPr marL="2743200" indent="0">
+              <a:buNone/>
+              <a:defRPr sz="900"/>
             </a:lvl7pPr>
-            <a:lvl8pPr marL="2400300" indent="0">
-              <a:buNone/>
-              <a:defRPr sz="675"/>
+            <a:lvl8pPr marL="3200400" indent="0">
+              <a:buNone/>
+              <a:defRPr sz="900"/>
             </a:lvl8pPr>
-            <a:lvl9pPr marL="2743200" indent="0">
-              <a:buNone/>
-              <a:defRPr sz="675"/>
+            <a:lvl9pPr marL="3657600" indent="0">
+              <a:buNone/>
+              <a:defRPr sz="900"/>
             </a:lvl9pPr>
           </a:lstStyle>
           <a:p>
             <a:pPr lvl="0"/>
             <a:r>
-              <a:rPr lang="en-US"/>
+              <a:rPr lang="en-US" smtClean="0"/>
               <a:t>Click to edit Master text styles</a:t>
             </a:r>
           </a:p>
@@ -2263,7 +2282,7 @@
           <a:p>
             <a:fld id="{241EB5C9-1307-BA42-ABA2-0BC069CD8E7F}" type="datetimeFigureOut">
               <a:rPr lang="en-US" smtClean="0"/>
-              <a:t>1/2/22</a:t>
+              <a:t>4/5/2019</a:t>
             </a:fld>
             <a:endParaRPr lang="en-US"/>
           </a:p>
@@ -2353,22 +2372,23 @@
         </p:nvSpPr>
         <p:spPr>
           <a:xfrm>
-            <a:off x="1792288" y="3600450"/>
-            <a:ext cx="5486400" cy="425054"/>
+            <a:off x="1792288" y="4800600"/>
+            <a:ext cx="5486400" cy="566738"/>
           </a:xfrm>
         </p:spPr>
         <p:txBody>
           <a:bodyPr anchor="b"/>
           <a:lstStyle>
             <a:lvl1pPr algn="l">
-              <a:defRPr sz="1500" b="1"/>
+              <a:defRPr sz="2000" b="1"/>
             </a:lvl1pPr>
           </a:lstStyle>
           <a:p>
             <a:r>
-              <a:rPr lang="en-US"/>
+              <a:rPr lang="en-US" smtClean="0"/>
               <a:t>Click to edit Master title style</a:t>
             </a:r>
+            <a:endParaRPr lang="en-US"/>
           </a:p>
         </p:txBody>
       </p:sp>
@@ -2384,8 +2404,8 @@
         </p:nvSpPr>
         <p:spPr>
           <a:xfrm>
-            <a:off x="1792288" y="459581"/>
-            <a:ext cx="5486400" cy="3086100"/>
+            <a:off x="1792288" y="612775"/>
+            <a:ext cx="5486400" cy="4114800"/>
           </a:xfrm>
         </p:spPr>
         <p:txBody>
@@ -2393,39 +2413,39 @@
           <a:lstStyle>
             <a:lvl1pPr marL="0" indent="0">
               <a:buNone/>
+              <a:defRPr sz="3200"/>
+            </a:lvl1pPr>
+            <a:lvl2pPr marL="457200" indent="0">
+              <a:buNone/>
+              <a:defRPr sz="2800"/>
+            </a:lvl2pPr>
+            <a:lvl3pPr marL="914400" indent="0">
+              <a:buNone/>
               <a:defRPr sz="2400"/>
-            </a:lvl1pPr>
-            <a:lvl2pPr marL="342900" indent="0">
-              <a:buNone/>
-              <a:defRPr sz="2100"/>
-            </a:lvl2pPr>
-            <a:lvl3pPr marL="685800" indent="0">
-              <a:buNone/>
-              <a:defRPr sz="1800"/>
             </a:lvl3pPr>
-            <a:lvl4pPr marL="1028700" indent="0">
-              <a:buNone/>
-              <a:defRPr sz="1500"/>
+            <a:lvl4pPr marL="1371600" indent="0">
+              <a:buNone/>
+              <a:defRPr sz="2000"/>
             </a:lvl4pPr>
-            <a:lvl5pPr marL="1371600" indent="0">
-              <a:buNone/>
-              <a:defRPr sz="1500"/>
+            <a:lvl5pPr marL="1828800" indent="0">
+              <a:buNone/>
+              <a:defRPr sz="2000"/>
             </a:lvl5pPr>
-            <a:lvl6pPr marL="1714500" indent="0">
-              <a:buNone/>
-              <a:defRPr sz="1500"/>
+            <a:lvl6pPr marL="2286000" indent="0">
+              <a:buNone/>
+              <a:defRPr sz="2000"/>
             </a:lvl6pPr>
-            <a:lvl7pPr marL="2057400" indent="0">
-              <a:buNone/>
-              <a:defRPr sz="1500"/>
+            <a:lvl7pPr marL="2743200" indent="0">
+              <a:buNone/>
+              <a:defRPr sz="2000"/>
             </a:lvl7pPr>
-            <a:lvl8pPr marL="2400300" indent="0">
-              <a:buNone/>
-              <a:defRPr sz="1500"/>
+            <a:lvl8pPr marL="3200400" indent="0">
+              <a:buNone/>
+              <a:defRPr sz="2000"/>
             </a:lvl8pPr>
-            <a:lvl9pPr marL="2743200" indent="0">
-              <a:buNone/>
-              <a:defRPr sz="1500"/>
+            <a:lvl9pPr marL="3657600" indent="0">
+              <a:buNone/>
+              <a:defRPr sz="2000"/>
             </a:lvl9pPr>
           </a:lstStyle>
           <a:p>
@@ -2445,8 +2465,8 @@
         </p:nvSpPr>
         <p:spPr>
           <a:xfrm>
-            <a:off x="1792288" y="4025503"/>
-            <a:ext cx="5486400" cy="603647"/>
+            <a:off x="1792288" y="5367338"/>
+            <a:ext cx="5486400" cy="804862"/>
           </a:xfrm>
         </p:spPr>
         <p:txBody>
@@ -2454,45 +2474,45 @@
           <a:lstStyle>
             <a:lvl1pPr marL="0" indent="0">
               <a:buNone/>
-              <a:defRPr sz="1050"/>
+              <a:defRPr sz="1400"/>
             </a:lvl1pPr>
-            <a:lvl2pPr marL="342900" indent="0">
+            <a:lvl2pPr marL="457200" indent="0">
+              <a:buNone/>
+              <a:defRPr sz="1200"/>
+            </a:lvl2pPr>
+            <a:lvl3pPr marL="914400" indent="0">
+              <a:buNone/>
+              <a:defRPr sz="1000"/>
+            </a:lvl3pPr>
+            <a:lvl4pPr marL="1371600" indent="0">
               <a:buNone/>
               <a:defRPr sz="900"/>
-            </a:lvl2pPr>
-            <a:lvl3pPr marL="685800" indent="0">
-              <a:buNone/>
-              <a:defRPr sz="750"/>
-            </a:lvl3pPr>
-            <a:lvl4pPr marL="1028700" indent="0">
-              <a:buNone/>
-              <a:defRPr sz="675"/>
             </a:lvl4pPr>
-            <a:lvl5pPr marL="1371600" indent="0">
-              <a:buNone/>
-              <a:defRPr sz="675"/>
+            <a:lvl5pPr marL="1828800" indent="0">
+              <a:buNone/>
+              <a:defRPr sz="900"/>
             </a:lvl5pPr>
-            <a:lvl6pPr marL="1714500" indent="0">
-              <a:buNone/>
-              <a:defRPr sz="675"/>
+            <a:lvl6pPr marL="2286000" indent="0">
+              <a:buNone/>
+              <a:defRPr sz="900"/>
             </a:lvl6pPr>
-            <a:lvl7pPr marL="2057400" indent="0">
-              <a:buNone/>
-              <a:defRPr sz="675"/>
+            <a:lvl7pPr marL="2743200" indent="0">
+              <a:buNone/>
+              <a:defRPr sz="900"/>
             </a:lvl7pPr>
-            <a:lvl8pPr marL="2400300" indent="0">
-              <a:buNone/>
-              <a:defRPr sz="675"/>
+            <a:lvl8pPr marL="3200400" indent="0">
+              <a:buNone/>
+              <a:defRPr sz="900"/>
             </a:lvl8pPr>
-            <a:lvl9pPr marL="2743200" indent="0">
-              <a:buNone/>
-              <a:defRPr sz="675"/>
+            <a:lvl9pPr marL="3657600" indent="0">
+              <a:buNone/>
+              <a:defRPr sz="900"/>
             </a:lvl9pPr>
           </a:lstStyle>
           <a:p>
             <a:pPr lvl="0"/>
             <a:r>
-              <a:rPr lang="en-US"/>
+              <a:rPr lang="en-US" smtClean="0"/>
               <a:t>Click to edit Master text styles</a:t>
             </a:r>
           </a:p>
@@ -2515,7 +2535,7 @@
           <a:p>
             <a:fld id="{241EB5C9-1307-BA42-ABA2-0BC069CD8E7F}" type="datetimeFigureOut">
               <a:rPr lang="en-US" smtClean="0"/>
-              <a:t>1/2/22</a:t>
+              <a:t>4/5/2019</a:t>
             </a:fld>
             <a:endParaRPr lang="en-US"/>
           </a:p>
@@ -2577,7 +2597,7 @@
 </file>
 
 <file path=ppt/slideMasters/slideMaster1.xml><?xml version="1.0" encoding="utf-8"?>
-<p:sldMaster xmlns:a="http://schemas.openxmlformats.org/drawingml/2006/main" xmlns:p="http://schemas.openxmlformats.org/presentationml/2006/main" xmlns:r="http://schemas.openxmlformats.org/officeDocument/2006/relationships">
+<p:sldMaster xmlns:a="http://schemas.openxmlformats.org/drawingml/2006/main" xmlns:r="http://schemas.openxmlformats.org/officeDocument/2006/relationships" xmlns:p="http://schemas.openxmlformats.org/presentationml/2006/main">
   <p:cSld>
     <p:bg>
       <p:bgRef idx="1001">
@@ -2610,23 +2630,24 @@
         </p:nvSpPr>
         <p:spPr>
           <a:xfrm>
-            <a:off x="457200" y="205979"/>
-            <a:ext cx="8229600" cy="857250"/>
+            <a:off x="457200" y="274638"/>
+            <a:ext cx="8229600" cy="1143000"/>
           </a:xfrm>
           <a:prstGeom prst="rect">
             <a:avLst/>
           </a:prstGeom>
         </p:spPr>
         <p:txBody>
-          <a:bodyPr anchor="ctr" bIns="45720" lIns="91440" rIns="91440" rtlCol="0" tIns="45720" vert="horz">
+          <a:bodyPr vert="horz" lIns="91440" tIns="45720" rIns="91440" bIns="45720" rtlCol="0" anchor="ctr">
             <a:normAutofit/>
           </a:bodyPr>
           <a:lstStyle/>
           <a:p>
             <a:r>
-              <a:rPr lang="en-US"/>
+              <a:rPr lang="en-US" smtClean="0"/>
               <a:t>Click to edit Master title style</a:t>
             </a:r>
+            <a:endParaRPr lang="en-US"/>
           </a:p>
         </p:txBody>
       </p:sp>
@@ -2637,57 +2658,58 @@
             <a:spLocks noGrp="1"/>
           </p:cNvSpPr>
           <p:nvPr>
-            <p:ph idx="1" type="body"/>
+            <p:ph type="body" idx="1"/>
           </p:nvPr>
         </p:nvSpPr>
         <p:spPr>
           <a:xfrm>
-            <a:off x="457200" y="1200151"/>
-            <a:ext cx="8229600" cy="3394472"/>
+            <a:off x="457200" y="1600200"/>
+            <a:ext cx="8229600" cy="4525963"/>
           </a:xfrm>
           <a:prstGeom prst="rect">
             <a:avLst/>
           </a:prstGeom>
         </p:spPr>
         <p:txBody>
-          <a:bodyPr bIns="45720" lIns="91440" rIns="91440" rtlCol="0" tIns="45720" vert="horz">
+          <a:bodyPr vert="horz" lIns="91440" tIns="45720" rIns="91440" bIns="45720" rtlCol="0">
             <a:normAutofit/>
           </a:bodyPr>
           <a:lstStyle/>
           <a:p>
             <a:pPr lvl="0"/>
             <a:r>
-              <a:rPr lang="en-US"/>
+              <a:rPr lang="en-US" smtClean="0"/>
               <a:t>Click to edit Master text styles</a:t>
             </a:r>
           </a:p>
           <a:p>
             <a:pPr lvl="1"/>
             <a:r>
-              <a:rPr lang="en-US"/>
+              <a:rPr lang="en-US" smtClean="0"/>
               <a:t>Second level</a:t>
             </a:r>
           </a:p>
           <a:p>
             <a:pPr lvl="2"/>
             <a:r>
-              <a:rPr lang="en-US"/>
+              <a:rPr lang="en-US" smtClean="0"/>
               <a:t>Third level</a:t>
             </a:r>
           </a:p>
           <a:p>
             <a:pPr lvl="3"/>
             <a:r>
-              <a:rPr lang="en-US"/>
+              <a:rPr lang="en-US" smtClean="0"/>
               <a:t>Fourth level</a:t>
             </a:r>
           </a:p>
           <a:p>
             <a:pPr lvl="4"/>
             <a:r>
-              <a:rPr lang="en-US"/>
+              <a:rPr lang="en-US" smtClean="0"/>
               <a:t>Fifth level</a:t>
             </a:r>
+            <a:endParaRPr lang="en-US"/>
           </a:p>
         </p:txBody>
       </p:sp>
@@ -2698,23 +2720,23 @@
             <a:spLocks noGrp="1"/>
           </p:cNvSpPr>
           <p:nvPr>
-            <p:ph idx="2" sz="half" type="dt"/>
+            <p:ph type="dt" sz="half" idx="2"/>
           </p:nvPr>
         </p:nvSpPr>
         <p:spPr>
           <a:xfrm>
-            <a:off x="457200" y="4767263"/>
-            <a:ext cx="2133600" cy="273844"/>
+            <a:off x="457200" y="6356350"/>
+            <a:ext cx="2133600" cy="365125"/>
           </a:xfrm>
           <a:prstGeom prst="rect">
             <a:avLst/>
           </a:prstGeom>
         </p:spPr>
         <p:txBody>
-          <a:bodyPr anchor="ctr" bIns="45720" lIns="91440" rIns="91440" rtlCol="0" tIns="45720" vert="horz"/>
+          <a:bodyPr vert="horz" lIns="91440" tIns="45720" rIns="91440" bIns="45720" rtlCol="0" anchor="ctr"/>
           <a:lstStyle>
             <a:lvl1pPr algn="l">
-              <a:defRPr sz="900">
+              <a:defRPr sz="1200">
                 <a:solidFill>
                   <a:schemeClr val="tx1">
                     <a:tint val="75000"/>
@@ -2726,7 +2748,7 @@
           <a:p>
             <a:fld id="{241EB5C9-1307-BA42-ABA2-0BC069CD8E7F}" type="datetimeFigureOut">
               <a:rPr lang="en-US" smtClean="0"/>
-              <a:t>1/2/22</a:t>
+              <a:t>4/5/2019</a:t>
             </a:fld>
             <a:endParaRPr lang="en-US"/>
           </a:p>
@@ -2739,23 +2761,23 @@
             <a:spLocks noGrp="1"/>
           </p:cNvSpPr>
           <p:nvPr>
-            <p:ph idx="3" sz="quarter" type="ftr"/>
+            <p:ph type="ftr" sz="quarter" idx="3"/>
           </p:nvPr>
         </p:nvSpPr>
         <p:spPr>
           <a:xfrm>
-            <a:off x="3124200" y="4767263"/>
-            <a:ext cx="2895600" cy="273844"/>
+            <a:off x="3124200" y="6356350"/>
+            <a:ext cx="2895600" cy="365125"/>
           </a:xfrm>
           <a:prstGeom prst="rect">
             <a:avLst/>
           </a:prstGeom>
         </p:spPr>
         <p:txBody>
-          <a:bodyPr anchor="ctr" bIns="45720" lIns="91440" rIns="91440" rtlCol="0" tIns="45720" vert="horz"/>
+          <a:bodyPr vert="horz" lIns="91440" tIns="45720" rIns="91440" bIns="45720" rtlCol="0" anchor="ctr"/>
           <a:lstStyle>
             <a:lvl1pPr algn="ctr">
-              <a:defRPr sz="900">
+              <a:defRPr sz="1200">
                 <a:solidFill>
                   <a:schemeClr val="tx1">
                     <a:tint val="75000"/>
@@ -2776,23 +2798,23 @@
             <a:spLocks noGrp="1"/>
           </p:cNvSpPr>
           <p:nvPr>
-            <p:ph idx="4" sz="quarter" type="sldNum"/>
+            <p:ph type="sldNum" sz="quarter" idx="4"/>
           </p:nvPr>
         </p:nvSpPr>
         <p:spPr>
           <a:xfrm>
-            <a:off x="6553200" y="4767263"/>
-            <a:ext cx="2133600" cy="273844"/>
+            <a:off x="6553200" y="6356350"/>
+            <a:ext cx="2133600" cy="365125"/>
           </a:xfrm>
           <a:prstGeom prst="rect">
             <a:avLst/>
           </a:prstGeom>
         </p:spPr>
         <p:txBody>
-          <a:bodyPr anchor="ctr" bIns="45720" lIns="91440" rIns="91440" rtlCol="0" tIns="45720" vert="horz"/>
+          <a:bodyPr vert="horz" lIns="91440" tIns="45720" rIns="91440" bIns="45720" rtlCol="0" anchor="ctr"/>
           <a:lstStyle>
             <a:lvl1pPr algn="r">
-              <a:defRPr sz="900">
+              <a:defRPr sz="1200">
                 <a:solidFill>
                   <a:schemeClr val="tx1">
                     <a:tint val="75000"/>
@@ -2817,7 +2839,7 @@
       </p:ext>
     </p:extLst>
   </p:cSld>
-  <p:clrMap accent1="accent1" accent2="accent2" accent3="accent3" accent4="accent4" accent5="accent5" accent6="accent6" bg1="lt1" bg2="lt2" folHlink="folHlink" hlink="hlink" tx1="dk1" tx2="dk2"/>
+  <p:clrMap bg1="lt1" tx1="dk1" bg2="lt2" tx2="dk2" accent1="accent1" accent2="accent2" accent3="accent3" accent4="accent4" accent5="accent5" accent6="accent6" hlink="hlink" folHlink="folHlink"/>
   <p:sldLayoutIdLst>
     <p:sldLayoutId id="2147483649" r:id="rId1"/>
     <p:sldLayoutId id="2147483650" r:id="rId2"/>
@@ -2833,12 +2855,12 @@
   </p:sldLayoutIdLst>
   <p:txStyles>
     <p:titleStyle>
-      <a:lvl1pPr algn="ctr" defTabSz="342900" eaLnBrk="1" hangingPunct="1" latinLnBrk="0" rtl="0">
+      <a:lvl1pPr algn="ctr" defTabSz="457200" rtl="0" eaLnBrk="1" latinLnBrk="0" hangingPunct="1">
         <a:spcBef>
           <a:spcPct val="0"/>
         </a:spcBef>
         <a:buNone/>
-        <a:defRPr kern="1200" sz="3300">
+        <a:defRPr sz="4400" kern="1200">
           <a:solidFill>
             <a:schemeClr val="tx1"/>
           </a:solidFill>
@@ -2849,13 +2871,13 @@
       </a:lvl1pPr>
     </p:titleStyle>
     <p:bodyStyle>
-      <a:lvl1pPr algn="l" defTabSz="342900" eaLnBrk="1" hangingPunct="1" indent="-342900" latinLnBrk="0" marL="342900" rtl="0">
+      <a:lvl1pPr marL="342900" indent="-342900" algn="l" defTabSz="457200" rtl="0" eaLnBrk="1" latinLnBrk="0" hangingPunct="1">
         <a:spcBef>
           <a:spcPct val="20000"/>
         </a:spcBef>
         <a:buFont typeface="Arial"/>
         <a:buChar char="•"/>
-        <a:defRPr kern="1200" sz="2400">
+        <a:defRPr sz="3200" kern="1200">
           <a:solidFill>
             <a:schemeClr val="tx1"/>
           </a:solidFill>
@@ -2864,13 +2886,13 @@
           <a:cs typeface="+mn-cs"/>
         </a:defRPr>
       </a:lvl1pPr>
-      <a:lvl2pPr algn="l" defTabSz="342900" eaLnBrk="1" hangingPunct="1" indent="-342900" latinLnBrk="0" marL="685800" rtl="0">
+      <a:lvl2pPr marL="742950" indent="-285750" algn="l" defTabSz="457200" rtl="0" eaLnBrk="1" latinLnBrk="0" hangingPunct="1">
         <a:spcBef>
           <a:spcPct val="20000"/>
         </a:spcBef>
         <a:buFont typeface="Arial"/>
         <a:buChar char="–"/>
-        <a:defRPr kern="1200" sz="2100">
+        <a:defRPr sz="2800" kern="1200">
           <a:solidFill>
             <a:schemeClr val="tx1"/>
           </a:solidFill>
@@ -2879,13 +2901,13 @@
           <a:cs typeface="+mn-cs"/>
         </a:defRPr>
       </a:lvl2pPr>
-      <a:lvl3pPr algn="l" defTabSz="342900" eaLnBrk="1" hangingPunct="1" indent="-342900" latinLnBrk="0" marL="1028700" rtl="0">
+      <a:lvl3pPr marL="1143000" indent="-228600" algn="l" defTabSz="457200" rtl="0" eaLnBrk="1" latinLnBrk="0" hangingPunct="1">
         <a:spcBef>
           <a:spcPct val="20000"/>
         </a:spcBef>
         <a:buFont typeface="Arial"/>
         <a:buChar char="•"/>
-        <a:defRPr kern="1200" sz="1800">
+        <a:defRPr sz="2400" kern="1200">
           <a:solidFill>
             <a:schemeClr val="tx1"/>
           </a:solidFill>
@@ -2894,13 +2916,13 @@
           <a:cs typeface="+mn-cs"/>
         </a:defRPr>
       </a:lvl3pPr>
-      <a:lvl4pPr algn="l" defTabSz="342900" eaLnBrk="1" hangingPunct="1" indent="-342900" latinLnBrk="0" marL="1371600" rtl="0">
+      <a:lvl4pPr marL="1600200" indent="-228600" algn="l" defTabSz="457200" rtl="0" eaLnBrk="1" latinLnBrk="0" hangingPunct="1">
         <a:spcBef>
           <a:spcPct val="20000"/>
         </a:spcBef>
         <a:buFont typeface="Arial"/>
         <a:buChar char="–"/>
-        <a:defRPr kern="1200" sz="1500">
+        <a:defRPr sz="2000" kern="1200">
           <a:solidFill>
             <a:schemeClr val="tx1"/>
           </a:solidFill>
@@ -2909,13 +2931,13 @@
           <a:cs typeface="+mn-cs"/>
         </a:defRPr>
       </a:lvl4pPr>
-      <a:lvl5pPr algn="l" defTabSz="342900" eaLnBrk="1" hangingPunct="1" indent="-342900" latinLnBrk="0" marL="1714500" rtl="0">
+      <a:lvl5pPr marL="2057400" indent="-228600" algn="l" defTabSz="457200" rtl="0" eaLnBrk="1" latinLnBrk="0" hangingPunct="1">
         <a:spcBef>
           <a:spcPct val="20000"/>
         </a:spcBef>
         <a:buFont typeface="Arial"/>
         <a:buChar char="»"/>
-        <a:defRPr kern="1200" sz="1500">
+        <a:defRPr sz="2000" kern="1200">
           <a:solidFill>
             <a:schemeClr val="tx1"/>
           </a:solidFill>
@@ -2924,13 +2946,13 @@
           <a:cs typeface="+mn-cs"/>
         </a:defRPr>
       </a:lvl5pPr>
-      <a:lvl6pPr algn="l" defTabSz="342900" eaLnBrk="1" hangingPunct="1" indent="-342900" latinLnBrk="0" marL="2057400" rtl="0">
+      <a:lvl6pPr marL="2514600" indent="-228600" algn="l" defTabSz="457200" rtl="0" eaLnBrk="1" latinLnBrk="0" hangingPunct="1">
         <a:spcBef>
           <a:spcPct val="20000"/>
         </a:spcBef>
         <a:buFont typeface="Arial"/>
         <a:buChar char="•"/>
-        <a:defRPr kern="1200" sz="1500">
+        <a:defRPr sz="2000" kern="1200">
           <a:solidFill>
             <a:schemeClr val="tx1"/>
           </a:solidFill>
@@ -2939,13 +2961,13 @@
           <a:cs typeface="+mn-cs"/>
         </a:defRPr>
       </a:lvl6pPr>
-      <a:lvl7pPr algn="l" defTabSz="342900" eaLnBrk="1" hangingPunct="1" indent="-342900" latinLnBrk="0" marL="2400300" rtl="0">
+      <a:lvl7pPr marL="2971800" indent="-228600" algn="l" defTabSz="457200" rtl="0" eaLnBrk="1" latinLnBrk="0" hangingPunct="1">
         <a:spcBef>
           <a:spcPct val="20000"/>
         </a:spcBef>
         <a:buFont typeface="Arial"/>
         <a:buChar char="•"/>
-        <a:defRPr kern="1200" sz="1500">
+        <a:defRPr sz="2000" kern="1200">
           <a:solidFill>
             <a:schemeClr val="tx1"/>
           </a:solidFill>
@@ -2954,13 +2976,13 @@
           <a:cs typeface="+mn-cs"/>
         </a:defRPr>
       </a:lvl7pPr>
-      <a:lvl8pPr algn="l" defTabSz="342900" eaLnBrk="1" hangingPunct="1" indent="-342900" latinLnBrk="0" marL="2743200" rtl="0">
+      <a:lvl8pPr marL="3429000" indent="-228600" algn="l" defTabSz="457200" rtl="0" eaLnBrk="1" latinLnBrk="0" hangingPunct="1">
         <a:spcBef>
           <a:spcPct val="20000"/>
         </a:spcBef>
         <a:buFont typeface="Arial"/>
         <a:buChar char="•"/>
-        <a:defRPr kern="1200" sz="1500">
+        <a:defRPr sz="2000" kern="1200">
           <a:solidFill>
             <a:schemeClr val="tx1"/>
           </a:solidFill>
@@ -2969,13 +2991,13 @@
           <a:cs typeface="+mn-cs"/>
         </a:defRPr>
       </a:lvl8pPr>
-      <a:lvl9pPr algn="l" defTabSz="342900" eaLnBrk="1" hangingPunct="1" indent="-342900" latinLnBrk="0" marL="3086100" rtl="0">
+      <a:lvl9pPr marL="3886200" indent="-228600" algn="l" defTabSz="457200" rtl="0" eaLnBrk="1" latinLnBrk="0" hangingPunct="1">
         <a:spcBef>
           <a:spcPct val="20000"/>
         </a:spcBef>
         <a:buFont typeface="Arial"/>
         <a:buChar char="•"/>
-        <a:defRPr kern="1200" sz="1500">
+        <a:defRPr sz="2000" kern="1200">
           <a:solidFill>
             <a:schemeClr val="tx1"/>
           </a:solidFill>
@@ -2989,8 +3011,8 @@
       <a:defPPr>
         <a:defRPr lang="en-US"/>
       </a:defPPr>
-      <a:lvl1pPr algn="l" defTabSz="342900" eaLnBrk="1" hangingPunct="1" latinLnBrk="0" marL="0" rtl="0">
-        <a:defRPr kern="1200" sz="1350">
+      <a:lvl1pPr marL="0" algn="l" defTabSz="457200" rtl="0" eaLnBrk="1" latinLnBrk="0" hangingPunct="1">
+        <a:defRPr sz="1800" kern="1200">
           <a:solidFill>
             <a:schemeClr val="tx1"/>
           </a:solidFill>
@@ -2999,8 +3021,8 @@
           <a:cs typeface="+mn-cs"/>
         </a:defRPr>
       </a:lvl1pPr>
-      <a:lvl2pPr algn="l" defTabSz="342900" eaLnBrk="1" hangingPunct="1" latinLnBrk="0" marL="342900" rtl="0">
-        <a:defRPr kern="1200" sz="1350">
+      <a:lvl2pPr marL="457200" algn="l" defTabSz="457200" rtl="0" eaLnBrk="1" latinLnBrk="0" hangingPunct="1">
+        <a:defRPr sz="1800" kern="1200">
           <a:solidFill>
             <a:schemeClr val="tx1"/>
           </a:solidFill>
@@ -3009,8 +3031,8 @@
           <a:cs typeface="+mn-cs"/>
         </a:defRPr>
       </a:lvl2pPr>
-      <a:lvl3pPr algn="l" defTabSz="342900" eaLnBrk="1" hangingPunct="1" latinLnBrk="0" marL="685800" rtl="0">
-        <a:defRPr kern="1200" sz="1350">
+      <a:lvl3pPr marL="914400" algn="l" defTabSz="457200" rtl="0" eaLnBrk="1" latinLnBrk="0" hangingPunct="1">
+        <a:defRPr sz="1800" kern="1200">
           <a:solidFill>
             <a:schemeClr val="tx1"/>
           </a:solidFill>
@@ -3019,8 +3041,8 @@
           <a:cs typeface="+mn-cs"/>
         </a:defRPr>
       </a:lvl3pPr>
-      <a:lvl4pPr algn="l" defTabSz="342900" eaLnBrk="1" hangingPunct="1" latinLnBrk="0" marL="1028700" rtl="0">
-        <a:defRPr kern="1200" sz="1350">
+      <a:lvl4pPr marL="1371600" algn="l" defTabSz="457200" rtl="0" eaLnBrk="1" latinLnBrk="0" hangingPunct="1">
+        <a:defRPr sz="1800" kern="1200">
           <a:solidFill>
             <a:schemeClr val="tx1"/>
           </a:solidFill>
@@ -3029,8 +3051,8 @@
           <a:cs typeface="+mn-cs"/>
         </a:defRPr>
       </a:lvl4pPr>
-      <a:lvl5pPr algn="l" defTabSz="342900" eaLnBrk="1" hangingPunct="1" latinLnBrk="0" marL="1371600" rtl="0">
-        <a:defRPr kern="1200" sz="1350">
+      <a:lvl5pPr marL="1828800" algn="l" defTabSz="457200" rtl="0" eaLnBrk="1" latinLnBrk="0" hangingPunct="1">
+        <a:defRPr sz="1800" kern="1200">
           <a:solidFill>
             <a:schemeClr val="tx1"/>
           </a:solidFill>
@@ -3039,8 +3061,8 @@
           <a:cs typeface="+mn-cs"/>
         </a:defRPr>
       </a:lvl5pPr>
-      <a:lvl6pPr algn="l" defTabSz="342900" eaLnBrk="1" hangingPunct="1" latinLnBrk="0" marL="1714500" rtl="0">
-        <a:defRPr kern="1200" sz="1350">
+      <a:lvl6pPr marL="2286000" algn="l" defTabSz="457200" rtl="0" eaLnBrk="1" latinLnBrk="0" hangingPunct="1">
+        <a:defRPr sz="1800" kern="1200">
           <a:solidFill>
             <a:schemeClr val="tx1"/>
           </a:solidFill>
@@ -3049,8 +3071,8 @@
           <a:cs typeface="+mn-cs"/>
         </a:defRPr>
       </a:lvl6pPr>
-      <a:lvl7pPr algn="l" defTabSz="342900" eaLnBrk="1" hangingPunct="1" latinLnBrk="0" marL="2057400" rtl="0">
-        <a:defRPr kern="1200" sz="1350">
+      <a:lvl7pPr marL="2743200" algn="l" defTabSz="457200" rtl="0" eaLnBrk="1" latinLnBrk="0" hangingPunct="1">
+        <a:defRPr sz="1800" kern="1200">
           <a:solidFill>
             <a:schemeClr val="tx1"/>
           </a:solidFill>
@@ -3059,8 +3081,8 @@
           <a:cs typeface="+mn-cs"/>
         </a:defRPr>
       </a:lvl7pPr>
-      <a:lvl8pPr algn="l" defTabSz="342900" eaLnBrk="1" hangingPunct="1" latinLnBrk="0" marL="2400300" rtl="0">
-        <a:defRPr kern="1200" sz="1350">
+      <a:lvl8pPr marL="3200400" algn="l" defTabSz="457200" rtl="0" eaLnBrk="1" latinLnBrk="0" hangingPunct="1">
+        <a:defRPr sz="1800" kern="1200">
           <a:solidFill>
             <a:schemeClr val="tx1"/>
           </a:solidFill>
@@ -3069,8 +3091,8 @@
           <a:cs typeface="+mn-cs"/>
         </a:defRPr>
       </a:lvl8pPr>
-      <a:lvl9pPr algn="l" defTabSz="342900" eaLnBrk="1" hangingPunct="1" latinLnBrk="0" marL="2743200" rtl="0">
-        <a:defRPr kern="1200" sz="1350">
+      <a:lvl9pPr marL="3657600" algn="l" defTabSz="457200" rtl="0" eaLnBrk="1" latinLnBrk="0" hangingPunct="1">
+        <a:defRPr sz="1800" kern="1200">
           <a:solidFill>
             <a:schemeClr val="tx1"/>
           </a:solidFill>
@@ -3113,20 +3135,68 @@
         </p:nvSpPr>
         <p:spPr>
           <a:xfrm>
-            <a:off x="685800" y="1597819"/>
-            <a:ext cx="7772400" cy="1102519"/>
+            <a:off x="685800" y="2130425"/>
+            <a:ext cx="7772400" cy="1470025"/>
           </a:xfrm>
         </p:spPr>
         <p:txBody>
           <a:bodyPr/>
           <a:lstStyle/>
           <a:p>
-            <a:pPr lvl="0" indent="0" marL="0">
+            <a:pPr lvl="0" marL="0" indent="0">
               <a:buNone/>
             </a:pPr>
             <a:r>
               <a:rPr/>
-              <a:t>Correlation of O3 and NO2 in Hessen</a:t>
+              <a:t>Correlation</a:t>
+            </a:r>
+            <a:r>
+              <a:rPr/>
+              <a:t> </a:t>
+            </a:r>
+            <a:r>
+              <a:rPr/>
+              <a:t>of</a:t>
+            </a:r>
+            <a:r>
+              <a:rPr/>
+              <a:t> </a:t>
+            </a:r>
+            <a:r>
+              <a:rPr/>
+              <a:t>O3</a:t>
+            </a:r>
+            <a:r>
+              <a:rPr/>
+              <a:t> </a:t>
+            </a:r>
+            <a:r>
+              <a:rPr/>
+              <a:t>and</a:t>
+            </a:r>
+            <a:r>
+              <a:rPr/>
+              <a:t> </a:t>
+            </a:r>
+            <a:r>
+              <a:rPr/>
+              <a:t>NO2</a:t>
+            </a:r>
+            <a:r>
+              <a:rPr/>
+              <a:t> </a:t>
+            </a:r>
+            <a:r>
+              <a:rPr/>
+              <a:t>in</a:t>
+            </a:r>
+            <a:r>
+              <a:rPr/>
+              <a:t> </a:t>
+            </a:r>
+            <a:r>
+              <a:rPr/>
+              <a:t>Hessen</a:t>
             </a:r>
           </a:p>
         </p:txBody>
@@ -3143,22 +3213,38 @@
         </p:nvSpPr>
         <p:spPr>
           <a:xfrm>
-            <a:off x="1371600" y="2914650"/>
-            <a:ext cx="6400800" cy="1314450"/>
+            <a:off x="1371600" y="3886200"/>
+            <a:ext cx="6400800" cy="1752600"/>
           </a:xfrm>
         </p:spPr>
         <p:txBody>
           <a:bodyPr/>
           <a:lstStyle/>
           <a:p>
-            <a:pPr lvl="0" indent="0" marL="0">
+            <a:pPr lvl="0" marL="0" indent="0">
               <a:buNone/>
             </a:pPr>
             <a:br/>
             <a:br/>
             <a:r>
               <a:rPr/>
-              <a:t>Matthias Lochmann, HLNUG</a:t>
+              <a:t>Matthias</a:t>
+            </a:r>
+            <a:r>
+              <a:rPr/>
+              <a:t> </a:t>
+            </a:r>
+            <a:r>
+              <a:rPr/>
+              <a:t>Lochmann,</a:t>
+            </a:r>
+            <a:r>
+              <a:rPr/>
+              <a:t> </a:t>
+            </a:r>
+            <a:r>
+              <a:rPr/>
+              <a:t>HLNUG</a:t>
             </a:r>
           </a:p>
         </p:txBody>
@@ -3178,12 +3264,12 @@
           <a:bodyPr/>
           <a:lstStyle/>
           <a:p>
-            <a:pPr lvl="0" indent="0" marL="0">
+            <a:pPr lvl="0" marL="0" indent="0">
               <a:buNone/>
             </a:pPr>
             <a:r>
               <a:rPr/>
-              <a:t>2025-03-24</a:t>
+              <a:t>2025-04-02</a:t>
             </a:r>
           </a:p>
         </p:txBody>
@@ -3225,50 +3311,54 @@
           <a:bodyPr/>
           <a:lstStyle/>
           <a:p>
-            <a:pPr lvl="0" indent="0" marL="0">
+            <a:pPr lvl="0" marL="0" indent="0">
               <a:buNone/>
             </a:pPr>
             <a:r>
               <a:rPr/>
-              <a:t>Conclusion</a:t>
-            </a:r>
-          </a:p>
-        </p:txBody>
-      </p:sp>
-      <p:sp>
-        <p:nvSpPr>
-          <p:cNvPr id="3" name="Content Placeholder 2"/>
-          <p:cNvSpPr>
-            <a:spLocks noGrp="1"/>
-          </p:cNvSpPr>
-          <p:nvPr>
-            <p:ph idx="1"/>
-          </p:nvPr>
-        </p:nvSpPr>
-        <p:spPr/>
-        <p:txBody>
-          <a:bodyPr/>
-          <a:lstStyle/>
-          <a:p>
-            <a:pPr lvl="0" indent="0" marL="0">
-              <a:buNone/>
-            </a:pPr>
-            <a:r>
-              <a:rPr/>
-              <a:t>The analysed data consists only of measurement data from Hessen, Germany and does not include O3 measurements at urban traffic sites. However, the observed anticorrelation might be representative for other regions with similar climate and emission patterns.</a:t>
-            </a:r>
-          </a:p>
-          <a:p>
-            <a:pPr lvl="0" indent="0" marL="0">
-              <a:buNone/>
-            </a:pPr>
-            <a:r>
-              <a:rPr/>
-              <a:t>Most probably, there might be a truly protective effects of NO2 via the destruction of O3. The negative slope of NO2 and relative risk of COPD (when using natural cubic spline method) is not necessarly wrong, when using a single pollutant model without confounder adjustment for O3.</a:t>
-            </a:r>
-          </a:p>
-        </p:txBody>
-      </p:sp>
+              <a:t>Daily</a:t>
+            </a:r>
+            <a:r>
+              <a:rPr/>
+              <a:t> </a:t>
+            </a:r>
+            <a:r>
+              <a:rPr/>
+              <a:t>resolution</a:t>
+            </a:r>
+          </a:p>
+        </p:txBody>
+      </p:sp>
+      <p:pic>
+        <p:nvPicPr>
+          <p:cNvPr descr="VglO3NO2_files/figure-pptx/dailyresolution-1.png" id="0" name="Picture 1"/>
+          <p:cNvPicPr>
+            <a:picLocks noGrp="1" noChangeAspect="1"/>
+          </p:cNvPicPr>
+          <p:nvPr/>
+        </p:nvPicPr>
+        <p:blipFill>
+          <a:blip r:embed="rId2"/>
+          <a:stretch>
+            <a:fillRect/>
+          </a:stretch>
+        </p:blipFill>
+        <p:spPr bwMode="auto">
+          <a:xfrm>
+            <a:off x="457200" y="1803400"/>
+            <a:ext cx="8229600" cy="4114800"/>
+          </a:xfrm>
+          <a:prstGeom prst="rect">
+            <a:avLst/>
+          </a:prstGeom>
+          <a:noFill/>
+          <a:ln w="9525">
+            <a:noFill/>
+            <a:headEnd/>
+            <a:tailEnd/>
+          </a:ln>
+        </p:spPr>
+      </p:pic>
     </p:spTree>
   </p:cSld>
 </p:sld>
@@ -3306,12 +3396,12 @@
           <a:bodyPr/>
           <a:lstStyle/>
           <a:p>
-            <a:pPr lvl="0" indent="0" marL="0">
+            <a:pPr lvl="0" marL="0" indent="0">
               <a:buNone/>
             </a:pPr>
             <a:r>
               <a:rPr/>
-              <a:t>Thinking about counterfactual models</a:t>
+              <a:t>Conclusion</a:t>
             </a:r>
           </a:p>
         </p:txBody>
@@ -3331,19 +3421,21 @@
           <a:bodyPr/>
           <a:lstStyle/>
           <a:p>
-            <a:pPr lvl="0" indent="0" marL="0">
+            <a:pPr lvl="0" marL="0" indent="0">
               <a:buNone/>
             </a:pPr>
             <a:r>
               <a:rPr/>
-              <a:t>When considering a re-analysis of the epidemiological data, it might be worth to consider, which counterfactual model to use.</a:t>
-            </a:r>
-          </a:p>
-          <a:p>
-            <a:pPr lvl="0"/>
-            <a:r>
-              <a:rPr/>
-              <a:t>single pollutant model, with counterfactual scenario NO2 concentration=0 or NO2 concentration=TMREL, but with O3 unchanged. This might be the classical epidemiological approach, however unrealistic, as O3 concentration would increase in real world scenarios.</a:t>
+              <a:t>The analysed data consists only of measurement data from Hessen, Germany and does not include O3 measurements at urban traffic sites. However, the observed anticorrelation might be representative for other regions with similar climate and emission patterns.</a:t>
+            </a:r>
+          </a:p>
+          <a:p>
+            <a:pPr lvl="0" marL="0" indent="0">
+              <a:buNone/>
+            </a:pPr>
+            <a:r>
+              <a:rPr/>
+              <a:t>Most probably, there might be a truly protective effects of NO2 via the complex pathways of air chemistry to effectively reduce O3. The possibly negative slope of relative risk of COPD as a function of NO2 (when using natural cubic spline method) is not necessarily wrong, when using a single pollutant model without adjustment for the possible confounder O3.</a:t>
             </a:r>
           </a:p>
         </p:txBody>
@@ -3385,12 +3477,36 @@
           <a:bodyPr/>
           <a:lstStyle/>
           <a:p>
-            <a:pPr lvl="0" indent="0" marL="0">
+            <a:pPr lvl="0" marL="0" indent="0">
               <a:buNone/>
             </a:pPr>
             <a:r>
               <a:rPr/>
-              <a:t>Counterfactual model with two pollutants</a:t>
+              <a:t>Thinking</a:t>
+            </a:r>
+            <a:r>
+              <a:rPr/>
+              <a:t> </a:t>
+            </a:r>
+            <a:r>
+              <a:rPr/>
+              <a:t>about</a:t>
+            </a:r>
+            <a:r>
+              <a:rPr/>
+              <a:t> </a:t>
+            </a:r>
+            <a:r>
+              <a:rPr/>
+              <a:t>counterfactual</a:t>
+            </a:r>
+            <a:r>
+              <a:rPr/>
+              <a:t> </a:t>
+            </a:r>
+            <a:r>
+              <a:rPr/>
+              <a:t>models</a:t>
             </a:r>
           </a:p>
         </p:txBody>
@@ -3410,14 +3526,125 @@
           <a:bodyPr/>
           <a:lstStyle/>
           <a:p>
-            <a:pPr lvl="0"/>
+            <a:pPr lvl="0" marL="0" indent="0">
+              <a:buNone/>
+            </a:pPr>
+            <a:r>
+              <a:rPr/>
+              <a:t>When considering a re-analysis of the epidemiological data, it might be worth to consider, which counterfactual model to use.</a:t>
+            </a:r>
+          </a:p>
+          <a:p>
+            <a:pPr lvl="1"/>
+            <a:r>
+              <a:rPr/>
+              <a:t>single pollutant model, with counterfactual scenario NO2 concentration=0 or NO2 concentration=TMREL, but with O3 unchanged. This might be the classical epidemiological approach, however unrealistic, as O3 concentration would increase in most real world scenarios.</a:t>
+            </a:r>
+          </a:p>
+        </p:txBody>
+      </p:sp>
+    </p:spTree>
+  </p:cSld>
+</p:sld>
+</file>
+
+<file path=ppt/slides/slide13.xml><?xml version="1.0" encoding="utf-8"?>
+<p:sld xmlns:a="http://schemas.openxmlformats.org/drawingml/2006/main" xmlns:r="http://schemas.openxmlformats.org/officeDocument/2006/relationships" xmlns:p="http://schemas.openxmlformats.org/presentationml/2006/main">
+  <p:cSld>
+    <p:spTree>
+      <p:nvGrpSpPr>
+        <p:cNvPr id="1" name=""/>
+        <p:cNvGrpSpPr/>
+        <p:nvPr/>
+      </p:nvGrpSpPr>
+      <p:grpSpPr>
+        <a:xfrm>
+          <a:off x="0" y="0"/>
+          <a:ext cx="0" cy="0"/>
+          <a:chOff x="0" y="0"/>
+          <a:chExt cx="0" cy="0"/>
+        </a:xfrm>
+      </p:grpSpPr>
+      <p:sp>
+        <p:nvSpPr>
+          <p:cNvPr id="2" name="Title 1"/>
+          <p:cNvSpPr>
+            <a:spLocks noGrp="1"/>
+          </p:cNvSpPr>
+          <p:nvPr>
+            <p:ph type="title"/>
+          </p:nvPr>
+        </p:nvSpPr>
+        <p:spPr/>
+        <p:txBody>
+          <a:bodyPr/>
+          <a:lstStyle/>
+          <a:p>
+            <a:pPr lvl="0" marL="0" indent="0">
+              <a:buNone/>
+            </a:pPr>
+            <a:r>
+              <a:rPr/>
+              <a:t>Counterfactual</a:t>
+            </a:r>
+            <a:r>
+              <a:rPr/>
+              <a:t> </a:t>
+            </a:r>
+            <a:r>
+              <a:rPr/>
+              <a:t>model</a:t>
+            </a:r>
+            <a:r>
+              <a:rPr/>
+              <a:t> </a:t>
+            </a:r>
+            <a:r>
+              <a:rPr/>
+              <a:t>with</a:t>
+            </a:r>
+            <a:r>
+              <a:rPr/>
+              <a:t> </a:t>
+            </a:r>
+            <a:r>
+              <a:rPr/>
+              <a:t>two</a:t>
+            </a:r>
+            <a:r>
+              <a:rPr/>
+              <a:t> </a:t>
+            </a:r>
+            <a:r>
+              <a:rPr/>
+              <a:t>pollutants</a:t>
+            </a:r>
+          </a:p>
+        </p:txBody>
+      </p:sp>
+      <p:sp>
+        <p:nvSpPr>
+          <p:cNvPr id="3" name="Content Placeholder 2"/>
+          <p:cNvSpPr>
+            <a:spLocks noGrp="1"/>
+          </p:cNvSpPr>
+          <p:nvPr>
+            <p:ph idx="1"/>
+          </p:nvPr>
+        </p:nvSpPr>
+        <p:spPr/>
+        <p:txBody>
+          <a:bodyPr/>
+          <a:lstStyle/>
+          <a:p>
+            <a:pPr lvl="1"/>
             <a:r>
               <a:rPr/>
               <a:t>single pollutant model, with counterfactual scenario NO2 concentration=0 or NO2 concentration=TMREL, with rising O3 concentration. This might be a more realistic scenario, implicitly used in the analysed performed so far. However, the ERF should then be allowed to have a negative slope.</a:t>
             </a:r>
           </a:p>
           <a:p>
-            <a:pPr lvl="0"/>
+            <a:pPr lvl="1"/>
             <a:r>
               <a:rPr/>
               <a:t>two pollutant model, with counterfactual scenario both NO2 and O3 concentration=0 or TMREL. This might be the most beautiful, however most unrealistic scenario.</a:t>
@@ -3462,7 +3689,7 @@
           <a:bodyPr/>
           <a:lstStyle/>
           <a:p>
-            <a:pPr lvl="0" indent="0" marL="0">
+            <a:pPr lvl="0" marL="0" indent="0">
               <a:buNone/>
             </a:pPr>
             <a:r>
@@ -3487,7 +3714,7 @@
           <a:bodyPr/>
           <a:lstStyle/>
           <a:p>
-            <a:pPr lvl="0" indent="0" marL="0">
+            <a:pPr lvl="0" marL="0" indent="0">
               <a:buNone/>
             </a:pPr>
             <a:r>
@@ -3512,7 +3739,7 @@
             </a:r>
             <a:r>
               <a:rPr/>
-              <a:t> and was performed by Matthias Lochmann (HLNUG) on 2025-03-24.</a:t>
+              <a:t> and was performed by Matthias Lochmann (HLNUG) on 2025-04-02.</a:t>
             </a:r>
           </a:p>
         </p:txBody>
@@ -3549,17 +3776,12 @@
             <p:ph type="title"/>
           </p:nvPr>
         </p:nvSpPr>
-        <p:spPr>
-          <a:xfrm>
-            <a:off x="457201" y="204787"/>
-            <a:ext cx="3008313" cy="871538"/>
-          </a:xfrm>
-        </p:spPr>
-        <p:txBody>
-          <a:bodyPr/>
-          <a:lstStyle/>
-          <a:p>
-            <a:pPr lvl="0" indent="0" marL="0">
+        <p:spPr/>
+        <p:txBody>
+          <a:bodyPr/>
+          <a:lstStyle/>
+          <a:p>
+            <a:pPr lvl="0" marL="0" indent="0">
               <a:buNone/>
             </a:pPr>
             <a:r>
@@ -3571,59 +3793,29 @@
       </p:sp>
       <p:sp>
         <p:nvSpPr>
-          <p:cNvPr id="4" name="Text Placeholder 3"/>
-          <p:cNvSpPr>
-            <a:spLocks noGrp="1"/>
-          </p:cNvSpPr>
-          <p:nvPr>
-            <p:ph idx="2" sz="half" type="body"/>
-          </p:nvPr>
-        </p:nvSpPr>
-        <p:spPr/>
-        <p:txBody>
-          <a:bodyPr/>
-          <a:lstStyle/>
-          <a:p>
-            <a:pPr lvl="0" indent="0" marL="0">
+          <p:cNvPr id="3" name="Content Placeholder 2"/>
+          <p:cNvSpPr>
+            <a:spLocks noGrp="1"/>
+          </p:cNvSpPr>
+          <p:nvPr>
+            <p:ph idx="1"/>
+          </p:nvPr>
+        </p:nvSpPr>
+        <p:spPr/>
+        <p:txBody>
+          <a:bodyPr/>
+          <a:lstStyle/>
+          <a:p>
+            <a:pPr lvl="0" marL="0" indent="0">
               <a:buNone/>
             </a:pPr>
             <a:r>
               <a:rPr/>
-              <a:t>In the burden-eu webinar with title “Establishing new exposure-response functions for air pollutants and environmental noise”, the results of different metaanalyses on NO2 and relative risk of COPD were presented. Depending on the analysis methods and constraints, the risk might have a negative slope. However, this might be due to the correlation of NO2 with O3. As it is likely, that O3 increases the risk of COPD, the negative slope might be due to the correlation of NO2 with O3. This presentation will show the correlation of NO2 and O3 in Hessen (Germany).</a:t>
-            </a:r>
-          </a:p>
-        </p:txBody>
-      </p:sp>
-      <p:pic>
-        <p:nvPicPr>
-          <p:cNvPr descr="img/BestCostScreenshot.png" id="0" name="Picture 1"/>
-          <p:cNvPicPr>
-            <a:picLocks noGrp="1" noChangeAspect="1"/>
-          </p:cNvPicPr>
-          <p:nvPr/>
-        </p:nvPicPr>
-        <p:blipFill>
-          <a:blip r:embed="rId2"/>
-          <a:stretch>
-            <a:fillRect/>
-          </a:stretch>
-        </p:blipFill>
-        <p:spPr bwMode="auto">
-          <a:xfrm>
-            <a:off x="3568700" y="990600"/>
-            <a:ext cx="5105400" cy="2819400"/>
-          </a:xfrm>
-          <a:prstGeom prst="rect">
-            <a:avLst/>
-          </a:prstGeom>
-          <a:noFill/>
-          <a:ln w="9525">
-            <a:noFill/>
-            <a:headEnd/>
-            <a:tailEnd/>
-          </a:ln>
-        </p:spPr>
-      </p:pic>
+              <a:t>The next slide is a screenshot of the burden-eu webinar with title “Establishing new exposure-response functions for air pollutants and environmental noise”: the results of different metaanalyses on NO2 and relative risk of COPD. The natural cubic spline method without constraints might indicate a negative slope. As it is likely, that O3 increases the risk of COPD, this might be due to the (anti)correlation of NO2 with O3 (via complex pathways of air chemistry).</a:t>
+            </a:r>
+          </a:p>
+        </p:txBody>
+      </p:sp>
     </p:spTree>
   </p:cSld>
 </p:sld>
@@ -3646,56 +3838,36 @@
           <a:chExt cx="0" cy="0"/>
         </a:xfrm>
       </p:grpSpPr>
-      <p:sp>
-        <p:nvSpPr>
-          <p:cNvPr id="2" name="Title 1"/>
-          <p:cNvSpPr>
-            <a:spLocks noGrp="1"/>
-          </p:cNvSpPr>
-          <p:nvPr>
-            <p:ph type="title"/>
-          </p:nvPr>
-        </p:nvSpPr>
-        <p:spPr/>
-        <p:txBody>
-          <a:bodyPr/>
-          <a:lstStyle/>
-          <a:p>
-            <a:pPr lvl="0" indent="0" marL="0">
-              <a:buNone/>
-            </a:pPr>
-            <a:r>
-              <a:rPr/>
-              <a:t>Measurements from Hessen</a:t>
-            </a:r>
-          </a:p>
-        </p:txBody>
-      </p:sp>
-      <p:sp>
-        <p:nvSpPr>
-          <p:cNvPr id="3" name="Content Placeholder 2"/>
-          <p:cNvSpPr>
-            <a:spLocks noGrp="1"/>
-          </p:cNvSpPr>
-          <p:nvPr>
-            <p:ph idx="1"/>
-          </p:nvPr>
-        </p:nvSpPr>
-        <p:spPr/>
-        <p:txBody>
-          <a:bodyPr/>
-          <a:lstStyle/>
-          <a:p>
-            <a:pPr lvl="0" indent="0" marL="0">
-              <a:buNone/>
-            </a:pPr>
-            <a:r>
-              <a:rPr/>
-              <a:t>The next graph shows the annual averages of measured NO2 and O3 concentrations since 2005. The measurement site categories are symbolized as different colors. O3 is measured at all “Rural Background” sites, at most “Urban Background” sites, but not at “Urban Traffic” sites.</a:t>
-            </a:r>
-          </a:p>
-        </p:txBody>
-      </p:sp>
+      <p:pic>
+        <p:nvPicPr>
+          <p:cNvPr descr="img/BestCostScreenshot.png" id="0" name="Picture 1"/>
+          <p:cNvPicPr>
+            <a:picLocks noGrp="1" noChangeAspect="1"/>
+          </p:cNvPicPr>
+          <p:nvPr/>
+        </p:nvPicPr>
+        <p:blipFill>
+          <a:blip r:embed="rId2"/>
+          <a:stretch>
+            <a:fillRect/>
+          </a:stretch>
+        </p:blipFill>
+        <p:spPr bwMode="auto">
+          <a:xfrm>
+            <a:off x="469900" y="1600200"/>
+            <a:ext cx="8191500" cy="4521200"/>
+          </a:xfrm>
+          <a:prstGeom prst="rect">
+            <a:avLst/>
+          </a:prstGeom>
+          <a:noFill/>
+          <a:ln w="9525">
+            <a:noFill/>
+            <a:headEnd/>
+            <a:tailEnd/>
+          </a:ln>
+        </p:spPr>
+      </p:pic>
     </p:spTree>
   </p:cSld>
 </p:sld>
@@ -3733,46 +3905,57 @@
           <a:bodyPr/>
           <a:lstStyle/>
           <a:p>
-            <a:pPr lvl="0" indent="0" marL="0">
+            <a:pPr lvl="0" marL="0" indent="0">
               <a:buNone/>
             </a:pPr>
             <a:r>
               <a:rPr/>
-              <a:t>NO2 and O3 yearly averages</a:t>
-            </a:r>
-          </a:p>
-        </p:txBody>
-      </p:sp>
-      <p:pic>
-        <p:nvPicPr>
-          <p:cNvPr descr="VglO3NO2_files/figure-pptx/jahresmittelverlauf-1.png" id="0" name="Picture 1"/>
-          <p:cNvPicPr>
-            <a:picLocks noGrp="1" noChangeAspect="1"/>
-          </p:cNvPicPr>
-          <p:nvPr/>
-        </p:nvPicPr>
-        <p:blipFill>
-          <a:blip r:embed="rId2"/>
-          <a:stretch>
-            <a:fillRect/>
-          </a:stretch>
-        </p:blipFill>
-        <p:spPr bwMode="auto">
-          <a:xfrm>
-            <a:off x="1181100" y="1193800"/>
-            <a:ext cx="6781800" cy="3390900"/>
-          </a:xfrm>
-          <a:prstGeom prst="rect">
-            <a:avLst/>
-          </a:prstGeom>
-          <a:noFill/>
-          <a:ln w="9525">
-            <a:noFill/>
-            <a:headEnd/>
-            <a:tailEnd/>
-          </a:ln>
-        </p:spPr>
-      </p:pic>
+              <a:t>Measurements</a:t>
+            </a:r>
+            <a:r>
+              <a:rPr/>
+              <a:t> </a:t>
+            </a:r>
+            <a:r>
+              <a:rPr/>
+              <a:t>from</a:t>
+            </a:r>
+            <a:r>
+              <a:rPr/>
+              <a:t> </a:t>
+            </a:r>
+            <a:r>
+              <a:rPr/>
+              <a:t>Hessen</a:t>
+            </a:r>
+          </a:p>
+        </p:txBody>
+      </p:sp>
+      <p:sp>
+        <p:nvSpPr>
+          <p:cNvPr id="3" name="Content Placeholder 2"/>
+          <p:cNvSpPr>
+            <a:spLocks noGrp="1"/>
+          </p:cNvSpPr>
+          <p:nvPr>
+            <p:ph idx="1"/>
+          </p:nvPr>
+        </p:nvSpPr>
+        <p:spPr/>
+        <p:txBody>
+          <a:bodyPr/>
+          <a:lstStyle/>
+          <a:p>
+            <a:pPr lvl="0" marL="0" indent="0">
+              <a:buNone/>
+            </a:pPr>
+            <a:r>
+              <a:rPr/>
+              <a:t>This presentation will show the observed correlation of NO2 and O3 in Hessen (Germany). The next graph shows the annual averages of measured NO2 and O3 concentrations since 2005. The measurement site categories are symbolized as different colors. O3 is measured at all “Rural Background” sites, at most “Urban Background” sites, but not at “Urban Traffic” sites.</a:t>
+            </a:r>
+          </a:p>
+        </p:txBody>
+      </p:sp>
     </p:spTree>
   </p:cSld>
 </p:sld>
@@ -3810,12 +3993,153 @@
           <a:bodyPr/>
           <a:lstStyle/>
           <a:p>
-            <a:pPr lvl="0" indent="0" marL="0">
+            <a:pPr lvl="0" marL="0" indent="0">
               <a:buNone/>
             </a:pPr>
             <a:r>
               <a:rPr/>
-              <a:t>Correlation of NO2 and O3</a:t>
+              <a:t>NO2</a:t>
+            </a:r>
+            <a:r>
+              <a:rPr/>
+              <a:t> </a:t>
+            </a:r>
+            <a:r>
+              <a:rPr/>
+              <a:t>and</a:t>
+            </a:r>
+            <a:r>
+              <a:rPr/>
+              <a:t> </a:t>
+            </a:r>
+            <a:r>
+              <a:rPr/>
+              <a:t>O3</a:t>
+            </a:r>
+            <a:r>
+              <a:rPr/>
+              <a:t> </a:t>
+            </a:r>
+            <a:r>
+              <a:rPr/>
+              <a:t>yearly</a:t>
+            </a:r>
+            <a:r>
+              <a:rPr/>
+              <a:t> </a:t>
+            </a:r>
+            <a:r>
+              <a:rPr/>
+              <a:t>averages</a:t>
+            </a:r>
+          </a:p>
+        </p:txBody>
+      </p:sp>
+      <p:pic>
+        <p:nvPicPr>
+          <p:cNvPr descr="VglO3NO2_files/figure-pptx/jahresmittelverlauf-1.png" id="0" name="Picture 1"/>
+          <p:cNvPicPr>
+            <a:picLocks noGrp="1" noChangeAspect="1"/>
+          </p:cNvPicPr>
+          <p:nvPr/>
+        </p:nvPicPr>
+        <p:blipFill>
+          <a:blip r:embed="rId2"/>
+          <a:stretch>
+            <a:fillRect/>
+          </a:stretch>
+        </p:blipFill>
+        <p:spPr bwMode="auto">
+          <a:xfrm>
+            <a:off x="457200" y="1803400"/>
+            <a:ext cx="8229600" cy="4114800"/>
+          </a:xfrm>
+          <a:prstGeom prst="rect">
+            <a:avLst/>
+          </a:prstGeom>
+          <a:noFill/>
+          <a:ln w="9525">
+            <a:noFill/>
+            <a:headEnd/>
+            <a:tailEnd/>
+          </a:ln>
+        </p:spPr>
+      </p:pic>
+    </p:spTree>
+  </p:cSld>
+</p:sld>
+</file>
+
+<file path=ppt/slides/slide7.xml><?xml version="1.0" encoding="utf-8"?>
+<p:sld xmlns:a="http://schemas.openxmlformats.org/drawingml/2006/main" xmlns:r="http://schemas.openxmlformats.org/officeDocument/2006/relationships" xmlns:p="http://schemas.openxmlformats.org/presentationml/2006/main">
+  <p:cSld>
+    <p:spTree>
+      <p:nvGrpSpPr>
+        <p:cNvPr id="1" name=""/>
+        <p:cNvGrpSpPr/>
+        <p:nvPr/>
+      </p:nvGrpSpPr>
+      <p:grpSpPr>
+        <a:xfrm>
+          <a:off x="0" y="0"/>
+          <a:ext cx="0" cy="0"/>
+          <a:chOff x="0" y="0"/>
+          <a:chExt cx="0" cy="0"/>
+        </a:xfrm>
+      </p:grpSpPr>
+      <p:sp>
+        <p:nvSpPr>
+          <p:cNvPr id="2" name="Title 1"/>
+          <p:cNvSpPr>
+            <a:spLocks noGrp="1"/>
+          </p:cNvSpPr>
+          <p:nvPr>
+            <p:ph type="title"/>
+          </p:nvPr>
+        </p:nvSpPr>
+        <p:spPr/>
+        <p:txBody>
+          <a:bodyPr/>
+          <a:lstStyle/>
+          <a:p>
+            <a:pPr lvl="0" marL="0" indent="0">
+              <a:buNone/>
+            </a:pPr>
+            <a:r>
+              <a:rPr/>
+              <a:t>Correlation</a:t>
+            </a:r>
+            <a:r>
+              <a:rPr/>
+              <a:t> </a:t>
+            </a:r>
+            <a:r>
+              <a:rPr/>
+              <a:t>of</a:t>
+            </a:r>
+            <a:r>
+              <a:rPr/>
+              <a:t> </a:t>
+            </a:r>
+            <a:r>
+              <a:rPr/>
+              <a:t>NO2</a:t>
+            </a:r>
+            <a:r>
+              <a:rPr/>
+              <a:t> </a:t>
+            </a:r>
+            <a:r>
+              <a:rPr/>
+              <a:t>and</a:t>
+            </a:r>
+            <a:r>
+              <a:rPr/>
+              <a:t> </a:t>
+            </a:r>
+            <a:r>
+              <a:rPr/>
+              <a:t>O3</a:t>
             </a:r>
           </a:p>
         </p:txBody>
@@ -3837,7 +4161,7 @@
               <a:bodyPr/>
               <a:lstStyle/>
               <a:p>
-                <a:pPr lvl="0" indent="0" marL="0">
+                <a:pPr lvl="0" marL="0" indent="0">
                   <a:buNone/>
                 </a:pPr>
                 <a:r>
@@ -3904,7 +4228,7 @@
 </p:sld>
 </file>
 
-<file path=ppt/slides/slide7.xml><?xml version="1.0" encoding="utf-8"?>
+<file path=ppt/slides/slide8.xml><?xml version="1.0" encoding="utf-8"?>
 <p:sld xmlns:a="http://schemas.openxmlformats.org/drawingml/2006/main" xmlns:r="http://schemas.openxmlformats.org/officeDocument/2006/relationships" xmlns:p="http://schemas.openxmlformats.org/presentationml/2006/main">
   <p:cSld>
     <p:spTree>
@@ -3936,12 +4260,44 @@
           <a:bodyPr/>
           <a:lstStyle/>
           <a:p>
-            <a:pPr lvl="0" indent="0" marL="0">
+            <a:pPr lvl="0" marL="0" indent="0">
               <a:buNone/>
             </a:pPr>
             <a:r>
               <a:rPr/>
-              <a:t>Correlation of NO2 and O3</a:t>
+              <a:t>Correlation</a:t>
+            </a:r>
+            <a:r>
+              <a:rPr/>
+              <a:t> </a:t>
+            </a:r>
+            <a:r>
+              <a:rPr/>
+              <a:t>of</a:t>
+            </a:r>
+            <a:r>
+              <a:rPr/>
+              <a:t> </a:t>
+            </a:r>
+            <a:r>
+              <a:rPr/>
+              <a:t>NO2</a:t>
+            </a:r>
+            <a:r>
+              <a:rPr/>
+              <a:t> </a:t>
+            </a:r>
+            <a:r>
+              <a:rPr/>
+              <a:t>and</a:t>
+            </a:r>
+            <a:r>
+              <a:rPr/>
+              <a:t> </a:t>
+            </a:r>
+            <a:r>
+              <a:rPr/>
+              <a:t>O3</a:t>
             </a:r>
           </a:p>
         </p:txBody>
@@ -3962,8 +4318,8 @@
         </p:blipFill>
         <p:spPr bwMode="auto">
           <a:xfrm>
-            <a:off x="1181100" y="1193800"/>
-            <a:ext cx="6781800" cy="3390900"/>
+            <a:off x="457200" y="1803400"/>
+            <a:ext cx="8229600" cy="4114800"/>
           </a:xfrm>
           <a:prstGeom prst="rect">
             <a:avLst/>
@@ -3981,7 +4337,7 @@
 </p:sld>
 </file>
 
-<file path=ppt/slides/slide8.xml><?xml version="1.0" encoding="utf-8"?>
+<file path=ppt/slides/slide9.xml><?xml version="1.0" encoding="utf-8"?>
 <p:sld xmlns:a="http://schemas.openxmlformats.org/drawingml/2006/main" xmlns:r="http://schemas.openxmlformats.org/officeDocument/2006/relationships" xmlns:p="http://schemas.openxmlformats.org/presentationml/2006/main">
   <p:cSld>
     <p:spTree>
@@ -4013,12 +4369,20 @@
           <a:bodyPr/>
           <a:lstStyle/>
           <a:p>
-            <a:pPr lvl="0" indent="0" marL="0">
+            <a:pPr lvl="0" marL="0" indent="0">
               <a:buNone/>
             </a:pPr>
             <a:r>
               <a:rPr/>
-              <a:t>Daily resolution</a:t>
+              <a:t>Daily</a:t>
+            </a:r>
+            <a:r>
+              <a:rPr/>
+              <a:t> </a:t>
+            </a:r>
+            <a:r>
+              <a:rPr/>
+              <a:t>resolution</a:t>
             </a:r>
           </a:p>
         </p:txBody>
@@ -4040,7 +4404,7 @@
               <a:bodyPr/>
               <a:lstStyle/>
               <a:p>
-                <a:pPr lvl="0" indent="0" marL="0">
+                <a:pPr lvl="0" marL="0" indent="0">
                   <a:buNone/>
                 </a:pPr>
                 <a:r>
@@ -4102,83 +4466,6 @@
           </p:sp>
         </mc:Choice>
       </mc:AlternateContent>
-    </p:spTree>
-  </p:cSld>
-</p:sld>
-</file>
-
-<file path=ppt/slides/slide9.xml><?xml version="1.0" encoding="utf-8"?>
-<p:sld xmlns:a="http://schemas.openxmlformats.org/drawingml/2006/main" xmlns:r="http://schemas.openxmlformats.org/officeDocument/2006/relationships" xmlns:p="http://schemas.openxmlformats.org/presentationml/2006/main">
-  <p:cSld>
-    <p:spTree>
-      <p:nvGrpSpPr>
-        <p:cNvPr id="1" name=""/>
-        <p:cNvGrpSpPr/>
-        <p:nvPr/>
-      </p:nvGrpSpPr>
-      <p:grpSpPr>
-        <a:xfrm>
-          <a:off x="0" y="0"/>
-          <a:ext cx="0" cy="0"/>
-          <a:chOff x="0" y="0"/>
-          <a:chExt cx="0" cy="0"/>
-        </a:xfrm>
-      </p:grpSpPr>
-      <p:sp>
-        <p:nvSpPr>
-          <p:cNvPr id="2" name="Title 1"/>
-          <p:cNvSpPr>
-            <a:spLocks noGrp="1"/>
-          </p:cNvSpPr>
-          <p:nvPr>
-            <p:ph type="title"/>
-          </p:nvPr>
-        </p:nvSpPr>
-        <p:spPr/>
-        <p:txBody>
-          <a:bodyPr/>
-          <a:lstStyle/>
-          <a:p>
-            <a:pPr lvl="0" indent="0" marL="0">
-              <a:buNone/>
-            </a:pPr>
-            <a:r>
-              <a:rPr/>
-              <a:t>Daily resolution</a:t>
-            </a:r>
-          </a:p>
-        </p:txBody>
-      </p:sp>
-      <p:pic>
-        <p:nvPicPr>
-          <p:cNvPr descr="VglO3NO2_files/figure-pptx/dailyresolution-1.png" id="0" name="Picture 1"/>
-          <p:cNvPicPr>
-            <a:picLocks noGrp="1" noChangeAspect="1"/>
-          </p:cNvPicPr>
-          <p:nvPr/>
-        </p:nvPicPr>
-        <p:blipFill>
-          <a:blip r:embed="rId2"/>
-          <a:stretch>
-            <a:fillRect/>
-          </a:stretch>
-        </p:blipFill>
-        <p:spPr bwMode="auto">
-          <a:xfrm>
-            <a:off x="1181100" y="1193800"/>
-            <a:ext cx="6781800" cy="3390900"/>
-          </a:xfrm>
-          <a:prstGeom prst="rect">
-            <a:avLst/>
-          </a:prstGeom>
-          <a:noFill/>
-          <a:ln w="9525">
-            <a:noFill/>
-            <a:headEnd/>
-            <a:tailEnd/>
-          </a:ln>
-        </p:spPr>
-      </p:pic>
     </p:spTree>
   </p:cSld>
 </p:sld>
@@ -4502,265 +4789,4 @@
   </a:objectDefaults>
   <a:extraClrSchemeLst/>
 </a:theme>
-</file>
-
-<file path=ppt/theme/theme2.xml><?xml version="1.0" encoding="utf-8"?>
-<a:theme xmlns:a="http://schemas.openxmlformats.org/drawingml/2006/main" name="Office Theme">
-  <a:themeElements>
-    <a:clrScheme name="Office">
-      <a:dk1>
-        <a:sysClr val="windowText" lastClr="000000"/>
-      </a:dk1>
-      <a:lt1>
-        <a:sysClr val="window" lastClr="FFFFFF"/>
-      </a:lt1>
-      <a:dk2>
-        <a:srgbClr val="44546A"/>
-      </a:dk2>
-      <a:lt2>
-        <a:srgbClr val="E7E6E6"/>
-      </a:lt2>
-      <a:accent1>
-        <a:srgbClr val="5B9BD5"/>
-      </a:accent1>
-      <a:accent2>
-        <a:srgbClr val="ED7D31"/>
-      </a:accent2>
-      <a:accent3>
-        <a:srgbClr val="A5A5A5"/>
-      </a:accent3>
-      <a:accent4>
-        <a:srgbClr val="FFC000"/>
-      </a:accent4>
-      <a:accent5>
-        <a:srgbClr val="4472C4"/>
-      </a:accent5>
-      <a:accent6>
-        <a:srgbClr val="70AD47"/>
-      </a:accent6>
-      <a:hlink>
-        <a:srgbClr val="0563C1"/>
-      </a:hlink>
-      <a:folHlink>
-        <a:srgbClr val="954F72"/>
-      </a:folHlink>
-    </a:clrScheme>
-    <a:fontScheme name="Office">
-      <a:majorFont>
-        <a:latin typeface="Calibri Light" panose="020F0302020204030204"/>
-        <a:ea typeface=""/>
-        <a:cs typeface=""/>
-        <a:font script="Jpan" typeface="ＭＳ Ｐゴシック"/>
-        <a:font script="Hang" typeface="맑은 고딕"/>
-        <a:font script="Hans" typeface="宋体"/>
-        <a:font script="Hant" typeface="新細明體"/>
-        <a:font script="Arab" typeface="Times New Roman"/>
-        <a:font script="Hebr" typeface="Times New Roman"/>
-        <a:font script="Thai" typeface="Angsana New"/>
-        <a:font script="Ethi" typeface="Nyala"/>
-        <a:font script="Beng" typeface="Vrinda"/>
-        <a:font script="Gujr" typeface="Shruti"/>
-        <a:font script="Khmr" typeface="MoolBoran"/>
-        <a:font script="Knda" typeface="Tunga"/>
-        <a:font script="Guru" typeface="Raavi"/>
-        <a:font script="Cans" typeface="Euphemia"/>
-        <a:font script="Cher" typeface="Plantagenet Cherokee"/>
-        <a:font script="Yiii" typeface="Microsoft Yi Baiti"/>
-        <a:font script="Tibt" typeface="Microsoft Himalaya"/>
-        <a:font script="Thaa" typeface="MV Boli"/>
-        <a:font script="Deva" typeface="Mangal"/>
-        <a:font script="Telu" typeface="Gautami"/>
-        <a:font script="Taml" typeface="Latha"/>
-        <a:font script="Syrc" typeface="Estrangelo Edessa"/>
-        <a:font script="Orya" typeface="Kalinga"/>
-        <a:font script="Mlym" typeface="Kartika"/>
-        <a:font script="Laoo" typeface="DokChampa"/>
-        <a:font script="Sinh" typeface="Iskoola Pota"/>
-        <a:font script="Mong" typeface="Mongolian Baiti"/>
-        <a:font script="Viet" typeface="Times New Roman"/>
-        <a:font script="Uigh" typeface="Microsoft Uighur"/>
-        <a:font script="Geor" typeface="Sylfaen"/>
-      </a:majorFont>
-      <a:minorFont>
-        <a:latin typeface="Calibri" panose="020F0502020204030204"/>
-        <a:ea typeface=""/>
-        <a:cs typeface=""/>
-        <a:font script="Jpan" typeface="ＭＳ Ｐゴシック"/>
-        <a:font script="Hang" typeface="맑은 고딕"/>
-        <a:font script="Hans" typeface="宋体"/>
-        <a:font script="Hant" typeface="新細明體"/>
-        <a:font script="Arab" typeface="Arial"/>
-        <a:font script="Hebr" typeface="Arial"/>
-        <a:font script="Thai" typeface="Cordia New"/>
-        <a:font script="Ethi" typeface="Nyala"/>
-        <a:font script="Beng" typeface="Vrinda"/>
-        <a:font script="Gujr" typeface="Shruti"/>
-        <a:font script="Khmr" typeface="DaunPenh"/>
-        <a:font script="Knda" typeface="Tunga"/>
-        <a:font script="Guru" typeface="Raavi"/>
-        <a:font script="Cans" typeface="Euphemia"/>
-        <a:font script="Cher" typeface="Plantagenet Cherokee"/>
-        <a:font script="Yiii" typeface="Microsoft Yi Baiti"/>
-        <a:font script="Tibt" typeface="Microsoft Himalaya"/>
-        <a:font script="Thaa" typeface="MV Boli"/>
-        <a:font script="Deva" typeface="Mangal"/>
-        <a:font script="Telu" typeface="Gautami"/>
-        <a:font script="Taml" typeface="Latha"/>
-        <a:font script="Syrc" typeface="Estrangelo Edessa"/>
-        <a:font script="Orya" typeface="Kalinga"/>
-        <a:font script="Mlym" typeface="Kartika"/>
-        <a:font script="Laoo" typeface="DokChampa"/>
-        <a:font script="Sinh" typeface="Iskoola Pota"/>
-        <a:font script="Mong" typeface="Mongolian Baiti"/>
-        <a:font script="Viet" typeface="Arial"/>
-        <a:font script="Uigh" typeface="Microsoft Uighur"/>
-        <a:font script="Geor" typeface="Sylfaen"/>
-      </a:minorFont>
-    </a:fontScheme>
-    <a:fmtScheme name="Office">
-      <a:fillStyleLst>
-        <a:solidFill>
-          <a:schemeClr val="phClr"/>
-        </a:solidFill>
-        <a:gradFill rotWithShape="1">
-          <a:gsLst>
-            <a:gs pos="0">
-              <a:schemeClr val="phClr">
-                <a:lumMod val="110000"/>
-                <a:satMod val="105000"/>
-                <a:tint val="67000"/>
-              </a:schemeClr>
-            </a:gs>
-            <a:gs pos="50000">
-              <a:schemeClr val="phClr">
-                <a:lumMod val="105000"/>
-                <a:satMod val="103000"/>
-                <a:tint val="73000"/>
-              </a:schemeClr>
-            </a:gs>
-            <a:gs pos="100000">
-              <a:schemeClr val="phClr">
-                <a:lumMod val="105000"/>
-                <a:satMod val="109000"/>
-                <a:tint val="81000"/>
-              </a:schemeClr>
-            </a:gs>
-          </a:gsLst>
-          <a:lin ang="5400000" scaled="0"/>
-        </a:gradFill>
-        <a:gradFill rotWithShape="1">
-          <a:gsLst>
-            <a:gs pos="0">
-              <a:schemeClr val="phClr">
-                <a:satMod val="103000"/>
-                <a:lumMod val="102000"/>
-                <a:tint val="94000"/>
-              </a:schemeClr>
-            </a:gs>
-            <a:gs pos="50000">
-              <a:schemeClr val="phClr">
-                <a:satMod val="110000"/>
-                <a:lumMod val="100000"/>
-                <a:shade val="100000"/>
-              </a:schemeClr>
-            </a:gs>
-            <a:gs pos="100000">
-              <a:schemeClr val="phClr">
-                <a:lumMod val="99000"/>
-                <a:satMod val="120000"/>
-                <a:shade val="78000"/>
-              </a:schemeClr>
-            </a:gs>
-          </a:gsLst>
-          <a:lin ang="5400000" scaled="0"/>
-        </a:gradFill>
-      </a:fillStyleLst>
-      <a:lnStyleLst>
-        <a:ln w="6350" cap="flat" cmpd="sng" algn="ctr">
-          <a:solidFill>
-            <a:schemeClr val="phClr"/>
-          </a:solidFill>
-          <a:prstDash val="solid"/>
-          <a:miter lim="800000"/>
-        </a:ln>
-        <a:ln w="12700" cap="flat" cmpd="sng" algn="ctr">
-          <a:solidFill>
-            <a:schemeClr val="phClr"/>
-          </a:solidFill>
-          <a:prstDash val="solid"/>
-          <a:miter lim="800000"/>
-        </a:ln>
-        <a:ln w="19050" cap="flat" cmpd="sng" algn="ctr">
-          <a:solidFill>
-            <a:schemeClr val="phClr"/>
-          </a:solidFill>
-          <a:prstDash val="solid"/>
-          <a:miter lim="800000"/>
-        </a:ln>
-      </a:lnStyleLst>
-      <a:effectStyleLst>
-        <a:effectStyle>
-          <a:effectLst/>
-        </a:effectStyle>
-        <a:effectStyle>
-          <a:effectLst/>
-        </a:effectStyle>
-        <a:effectStyle>
-          <a:effectLst>
-            <a:outerShdw blurRad="57150" dist="19050" dir="5400000" algn="ctr" rotWithShape="0">
-              <a:srgbClr val="000000">
-                <a:alpha val="63000"/>
-              </a:srgbClr>
-            </a:outerShdw>
-          </a:effectLst>
-        </a:effectStyle>
-      </a:effectStyleLst>
-      <a:bgFillStyleLst>
-        <a:solidFill>
-          <a:schemeClr val="phClr"/>
-        </a:solidFill>
-        <a:solidFill>
-          <a:schemeClr val="phClr">
-            <a:tint val="95000"/>
-            <a:satMod val="170000"/>
-          </a:schemeClr>
-        </a:solidFill>
-        <a:gradFill rotWithShape="1">
-          <a:gsLst>
-            <a:gs pos="0">
-              <a:schemeClr val="phClr">
-                <a:tint val="93000"/>
-                <a:satMod val="150000"/>
-                <a:shade val="98000"/>
-                <a:lumMod val="102000"/>
-              </a:schemeClr>
-            </a:gs>
-            <a:gs pos="50000">
-              <a:schemeClr val="phClr">
-                <a:tint val="98000"/>
-                <a:satMod val="130000"/>
-                <a:shade val="90000"/>
-                <a:lumMod val="103000"/>
-              </a:schemeClr>
-            </a:gs>
-            <a:gs pos="100000">
-              <a:schemeClr val="phClr">
-                <a:shade val="63000"/>
-                <a:satMod val="120000"/>
-              </a:schemeClr>
-            </a:gs>
-          </a:gsLst>
-          <a:lin ang="5400000" scaled="0"/>
-        </a:gradFill>
-      </a:bgFillStyleLst>
-    </a:fmtScheme>
-  </a:themeElements>
-  <a:objectDefaults/>
-  <a:extraClrSchemeLst/>
-  <a:extLst>
-    <a:ext uri="{05A4C25C-085E-4340-85A3-A5531E510DB2}">
-      <thm15:themeFamily xmlns:thm15="http://schemas.microsoft.com/office/thememl/2012/main" name="Office Theme" id="{62F939B6-93AF-4DB8-9C6B-D6C7DFDC589F}" vid="{4A3C46E8-61CC-4603-A589-7422A47A8E4A}"/>
-    </a:ext>
-  </a:extLst>
-</a:theme>
 </file>